--- a/crisp method.pptx
+++ b/crisp method.pptx
@@ -7,7 +7,10 @@
   <p:sldIdLst>
     <p:sldId id="256" r:id="rId2"/>
     <p:sldId id="257" r:id="rId3"/>
-    <p:sldId id="258" r:id="rId4"/>
+    <p:sldId id="259" r:id="rId4"/>
+    <p:sldId id="258" r:id="rId5"/>
+    <p:sldId id="260" r:id="rId6"/>
+    <p:sldId id="261" r:id="rId7"/>
   </p:sldIdLst>
   <p:sldSz cx="12192000" cy="6858000"/>
   <p:notesSz cx="6858000" cy="9144000"/>
@@ -106,6 +109,11 @@
       </a:defRPr>
     </a:lvl9pPr>
   </p:defaultTextStyle>
+  <p:extLst>
+    <p:ext uri="{EFAFB233-063F-42B5-8137-9DF3F51BA10A}">
+      <p15:sldGuideLst xmlns:p15="http://schemas.microsoft.com/office/powerpoint/2012/main"/>
+    </p:ext>
+  </p:extLst>
 </p:presentation>
 </file>
 
@@ -258,7 +266,7 @@
           <a:p>
             <a:fld id="{0143F529-9CAC-8C4D-8FCE-D36295A5F36C}" type="datetimeFigureOut">
               <a:rPr lang="en-KG" smtClean="0"/>
-              <a:t>8/10/23</a:t>
+              <a:t>22/10/23</a:t>
             </a:fld>
             <a:endParaRPr lang="en-KG"/>
           </a:p>
@@ -458,7 +466,7 @@
           <a:p>
             <a:fld id="{0143F529-9CAC-8C4D-8FCE-D36295A5F36C}" type="datetimeFigureOut">
               <a:rPr lang="en-KG" smtClean="0"/>
-              <a:t>8/10/23</a:t>
+              <a:t>22/10/23</a:t>
             </a:fld>
             <a:endParaRPr lang="en-KG"/>
           </a:p>
@@ -668,7 +676,7 @@
           <a:p>
             <a:fld id="{0143F529-9CAC-8C4D-8FCE-D36295A5F36C}" type="datetimeFigureOut">
               <a:rPr lang="en-KG" smtClean="0"/>
-              <a:t>8/10/23</a:t>
+              <a:t>22/10/23</a:t>
             </a:fld>
             <a:endParaRPr lang="en-KG"/>
           </a:p>
@@ -868,7 +876,7 @@
           <a:p>
             <a:fld id="{0143F529-9CAC-8C4D-8FCE-D36295A5F36C}" type="datetimeFigureOut">
               <a:rPr lang="en-KG" smtClean="0"/>
-              <a:t>8/10/23</a:t>
+              <a:t>22/10/23</a:t>
             </a:fld>
             <a:endParaRPr lang="en-KG"/>
           </a:p>
@@ -1144,7 +1152,7 @@
           <a:p>
             <a:fld id="{0143F529-9CAC-8C4D-8FCE-D36295A5F36C}" type="datetimeFigureOut">
               <a:rPr lang="en-KG" smtClean="0"/>
-              <a:t>8/10/23</a:t>
+              <a:t>22/10/23</a:t>
             </a:fld>
             <a:endParaRPr lang="en-KG"/>
           </a:p>
@@ -1412,7 +1420,7 @@
           <a:p>
             <a:fld id="{0143F529-9CAC-8C4D-8FCE-D36295A5F36C}" type="datetimeFigureOut">
               <a:rPr lang="en-KG" smtClean="0"/>
-              <a:t>8/10/23</a:t>
+              <a:t>22/10/23</a:t>
             </a:fld>
             <a:endParaRPr lang="en-KG"/>
           </a:p>
@@ -1827,7 +1835,7 @@
           <a:p>
             <a:fld id="{0143F529-9CAC-8C4D-8FCE-D36295A5F36C}" type="datetimeFigureOut">
               <a:rPr lang="en-KG" smtClean="0"/>
-              <a:t>8/10/23</a:t>
+              <a:t>22/10/23</a:t>
             </a:fld>
             <a:endParaRPr lang="en-KG"/>
           </a:p>
@@ -1969,7 +1977,7 @@
           <a:p>
             <a:fld id="{0143F529-9CAC-8C4D-8FCE-D36295A5F36C}" type="datetimeFigureOut">
               <a:rPr lang="en-KG" smtClean="0"/>
-              <a:t>8/10/23</a:t>
+              <a:t>22/10/23</a:t>
             </a:fld>
             <a:endParaRPr lang="en-KG"/>
           </a:p>
@@ -2082,7 +2090,7 @@
           <a:p>
             <a:fld id="{0143F529-9CAC-8C4D-8FCE-D36295A5F36C}" type="datetimeFigureOut">
               <a:rPr lang="en-KG" smtClean="0"/>
-              <a:t>8/10/23</a:t>
+              <a:t>22/10/23</a:t>
             </a:fld>
             <a:endParaRPr lang="en-KG"/>
           </a:p>
@@ -2395,7 +2403,7 @@
           <a:p>
             <a:fld id="{0143F529-9CAC-8C4D-8FCE-D36295A5F36C}" type="datetimeFigureOut">
               <a:rPr lang="en-KG" smtClean="0"/>
-              <a:t>8/10/23</a:t>
+              <a:t>22/10/23</a:t>
             </a:fld>
             <a:endParaRPr lang="en-KG"/>
           </a:p>
@@ -2684,7 +2692,7 @@
           <a:p>
             <a:fld id="{0143F529-9CAC-8C4D-8FCE-D36295A5F36C}" type="datetimeFigureOut">
               <a:rPr lang="en-KG" smtClean="0"/>
-              <a:t>8/10/23</a:t>
+              <a:t>22/10/23</a:t>
             </a:fld>
             <a:endParaRPr lang="en-KG"/>
           </a:p>
@@ -2927,7 +2935,7 @@
           <a:p>
             <a:fld id="{0143F529-9CAC-8C4D-8FCE-D36295A5F36C}" type="datetimeFigureOut">
               <a:rPr lang="en-KG" smtClean="0"/>
-              <a:t>8/10/23</a:t>
+              <a:t>22/10/23</a:t>
             </a:fld>
             <a:endParaRPr lang="en-KG"/>
           </a:p>
@@ -3652,6 +3660,3546 @@
           <a:chExt cx="0" cy="0"/>
         </a:xfrm>
       </p:grpSpPr>
+      <p:graphicFrame>
+        <p:nvGraphicFramePr>
+          <p:cNvPr id="4" name="Content Placeholder 3">
+            <a:extLst>
+              <a:ext uri="{FF2B5EF4-FFF2-40B4-BE49-F238E27FC236}">
+                <a16:creationId xmlns:a16="http://schemas.microsoft.com/office/drawing/2014/main" id="{2A7D3D25-C438-BEA7-51D0-28174775D3EF}"/>
+              </a:ext>
+            </a:extLst>
+          </p:cNvPr>
+          <p:cNvGraphicFramePr>
+            <a:graphicFrameLocks noGrp="1"/>
+          </p:cNvGraphicFramePr>
+          <p:nvPr>
+            <p:ph idx="1"/>
+            <p:extLst>
+              <p:ext uri="{D42A27DB-BD31-4B8C-83A1-F6EECF244321}">
+                <p14:modId xmlns:p14="http://schemas.microsoft.com/office/powerpoint/2010/main" val="1777174669"/>
+              </p:ext>
+            </p:extLst>
+          </p:nvPr>
+        </p:nvGraphicFramePr>
+        <p:xfrm>
+          <a:off x="3184674" y="885217"/>
+          <a:ext cx="4694242" cy="4773223"/>
+        </p:xfrm>
+        <a:graphic>
+          <a:graphicData uri="http://schemas.openxmlformats.org/drawingml/2006/table">
+            <a:tbl>
+              <a:tblPr>
+                <a:tableStyleId>{5C22544A-7EE6-4342-B048-85BDC9FD1C3A}</a:tableStyleId>
+              </a:tblPr>
+              <a:tblGrid>
+                <a:gridCol w="769113">
+                  <a:extLst>
+                    <a:ext uri="{9D8B030D-6E8A-4147-A177-3AD203B41FA5}">
+                      <a16:colId xmlns:a16="http://schemas.microsoft.com/office/drawing/2014/main" val="1233507061"/>
+                    </a:ext>
+                  </a:extLst>
+                </a:gridCol>
+                <a:gridCol w="848677">
+                  <a:extLst>
+                    <a:ext uri="{9D8B030D-6E8A-4147-A177-3AD203B41FA5}">
+                      <a16:colId xmlns:a16="http://schemas.microsoft.com/office/drawing/2014/main" val="1734447397"/>
+                    </a:ext>
+                  </a:extLst>
+                </a:gridCol>
+                <a:gridCol w="769113">
+                  <a:extLst>
+                    <a:ext uri="{9D8B030D-6E8A-4147-A177-3AD203B41FA5}">
+                      <a16:colId xmlns:a16="http://schemas.microsoft.com/office/drawing/2014/main" val="837553205"/>
+                    </a:ext>
+                  </a:extLst>
+                </a:gridCol>
+                <a:gridCol w="769113">
+                  <a:extLst>
+                    <a:ext uri="{9D8B030D-6E8A-4147-A177-3AD203B41FA5}">
+                      <a16:colId xmlns:a16="http://schemas.microsoft.com/office/drawing/2014/main" val="206428938"/>
+                    </a:ext>
+                  </a:extLst>
+                </a:gridCol>
+                <a:gridCol w="769113">
+                  <a:extLst>
+                    <a:ext uri="{9D8B030D-6E8A-4147-A177-3AD203B41FA5}">
+                      <a16:colId xmlns:a16="http://schemas.microsoft.com/office/drawing/2014/main" val="1280263525"/>
+                    </a:ext>
+                  </a:extLst>
+                </a:gridCol>
+                <a:gridCol w="769113">
+                  <a:extLst>
+                    <a:ext uri="{9D8B030D-6E8A-4147-A177-3AD203B41FA5}">
+                      <a16:colId xmlns:a16="http://schemas.microsoft.com/office/drawing/2014/main" val="3368917308"/>
+                    </a:ext>
+                  </a:extLst>
+                </a:gridCol>
+              </a:tblGrid>
+              <a:tr h="208138">
+                <a:tc>
+                  <a:txBody>
+                    <a:bodyPr/>
+                    <a:lstStyle/>
+                    <a:p>
+                      <a:pPr algn="l" fontAlgn="b"/>
+                      <a:r>
+                        <a:rPr lang="en-US" sz="1100" u="none" strike="noStrike">
+                          <a:effectLst/>
+                        </a:rPr>
+                        <a:t>﻿country  </a:t>
+                      </a:r>
+                      <a:endParaRPr lang="en-US" sz="1100" b="1" i="0" u="none" strike="noStrike">
+                        <a:solidFill>
+                          <a:srgbClr val="000000"/>
+                        </a:solidFill>
+                        <a:effectLst/>
+                        <a:latin typeface="Calibri" panose="020F0502020204030204" pitchFamily="34" charset="0"/>
+                      </a:endParaRPr>
+                    </a:p>
+                  </a:txBody>
+                  <a:tcPr marL="8868" marR="8868" marT="8868" marB="0" anchor="b"/>
+                </a:tc>
+                <a:tc>
+                  <a:txBody>
+                    <a:bodyPr/>
+                    <a:lstStyle/>
+                    <a:p>
+                      <a:pPr algn="l" fontAlgn="b"/>
+                      <a:r>
+                        <a:rPr lang="en-US" sz="1100" u="none" strike="noStrike">
+                          <a:effectLst/>
+                        </a:rPr>
+                        <a:t>label encoder</a:t>
+                      </a:r>
+                      <a:endParaRPr lang="en-US" sz="1100" b="1" i="0" u="none" strike="noStrike">
+                        <a:solidFill>
+                          <a:srgbClr val="000000"/>
+                        </a:solidFill>
+                        <a:effectLst/>
+                        <a:latin typeface="Calibri" panose="020F0502020204030204" pitchFamily="34" charset="0"/>
+                      </a:endParaRPr>
+                    </a:p>
+                  </a:txBody>
+                  <a:tcPr marL="8868" marR="8868" marT="8868" marB="0" anchor="b"/>
+                </a:tc>
+                <a:tc>
+                  <a:txBody>
+                    <a:bodyPr/>
+                    <a:lstStyle/>
+                    <a:p>
+                      <a:pPr algn="l" fontAlgn="b"/>
+                      <a:r>
+                        <a:rPr lang="en-US" sz="1100" u="none" strike="noStrike">
+                          <a:effectLst/>
+                        </a:rPr>
+                        <a:t>height</a:t>
+                      </a:r>
+                      <a:endParaRPr lang="en-US" sz="1100" b="1" i="0" u="none" strike="noStrike">
+                        <a:solidFill>
+                          <a:srgbClr val="000000"/>
+                        </a:solidFill>
+                        <a:effectLst/>
+                        <a:latin typeface="Calibri" panose="020F0502020204030204" pitchFamily="34" charset="0"/>
+                      </a:endParaRPr>
+                    </a:p>
+                  </a:txBody>
+                  <a:tcPr marL="8868" marR="8868" marT="8868" marB="0" anchor="b"/>
+                </a:tc>
+                <a:tc>
+                  <a:txBody>
+                    <a:bodyPr/>
+                    <a:lstStyle/>
+                    <a:p>
+                      <a:pPr algn="l" fontAlgn="b"/>
+                      <a:r>
+                        <a:rPr lang="en-US" sz="1100" u="none" strike="noStrike">
+                          <a:effectLst/>
+                        </a:rPr>
+                        <a:t>weight</a:t>
+                      </a:r>
+                      <a:endParaRPr lang="en-US" sz="1100" b="1" i="0" u="none" strike="noStrike">
+                        <a:solidFill>
+                          <a:srgbClr val="000000"/>
+                        </a:solidFill>
+                        <a:effectLst/>
+                        <a:latin typeface="Calibri" panose="020F0502020204030204" pitchFamily="34" charset="0"/>
+                      </a:endParaRPr>
+                    </a:p>
+                  </a:txBody>
+                  <a:tcPr marL="8868" marR="8868" marT="8868" marB="0" anchor="b"/>
+                </a:tc>
+                <a:tc>
+                  <a:txBody>
+                    <a:bodyPr/>
+                    <a:lstStyle/>
+                    <a:p>
+                      <a:pPr algn="l" fontAlgn="b"/>
+                      <a:r>
+                        <a:rPr lang="en-US" sz="1100" u="none" strike="noStrike">
+                          <a:effectLst/>
+                        </a:rPr>
+                        <a:t>age</a:t>
+                      </a:r>
+                      <a:endParaRPr lang="en-US" sz="1100" b="1" i="0" u="none" strike="noStrike">
+                        <a:solidFill>
+                          <a:srgbClr val="000000"/>
+                        </a:solidFill>
+                        <a:effectLst/>
+                        <a:latin typeface="Calibri" panose="020F0502020204030204" pitchFamily="34" charset="0"/>
+                      </a:endParaRPr>
+                    </a:p>
+                  </a:txBody>
+                  <a:tcPr marL="8868" marR="8868" marT="8868" marB="0" anchor="b"/>
+                </a:tc>
+                <a:tc>
+                  <a:txBody>
+                    <a:bodyPr/>
+                    <a:lstStyle/>
+                    <a:p>
+                      <a:pPr algn="l" fontAlgn="b"/>
+                      <a:r>
+                        <a:rPr lang="en-US" sz="1100" u="none" strike="noStrike">
+                          <a:effectLst/>
+                        </a:rPr>
+                        <a:t>gender</a:t>
+                      </a:r>
+                      <a:endParaRPr lang="en-US" sz="1100" b="1" i="0" u="none" strike="noStrike">
+                        <a:solidFill>
+                          <a:srgbClr val="000000"/>
+                        </a:solidFill>
+                        <a:effectLst/>
+                        <a:latin typeface="Calibri" panose="020F0502020204030204" pitchFamily="34" charset="0"/>
+                      </a:endParaRPr>
+                    </a:p>
+                  </a:txBody>
+                  <a:tcPr marL="8868" marR="8868" marT="8868" marB="0" anchor="b"/>
+                </a:tc>
+                <a:extLst>
+                  <a:ext uri="{0D108BD9-81ED-4DB2-BD59-A6C34878D82A}">
+                    <a16:rowId xmlns:a16="http://schemas.microsoft.com/office/drawing/2014/main" val="2301394830"/>
+                  </a:ext>
+                </a:extLst>
+              </a:tr>
+              <a:tr h="208138">
+                <a:tc>
+                  <a:txBody>
+                    <a:bodyPr/>
+                    <a:lstStyle/>
+                    <a:p>
+                      <a:pPr algn="l" fontAlgn="b"/>
+                      <a:r>
+                        <a:rPr lang="en-US" sz="1100" u="none" strike="noStrike">
+                          <a:effectLst/>
+                        </a:rPr>
+                        <a:t>af</a:t>
+                      </a:r>
+                      <a:endParaRPr lang="en-US" sz="1100" b="0" i="0" u="none" strike="noStrike">
+                        <a:solidFill>
+                          <a:srgbClr val="000000"/>
+                        </a:solidFill>
+                        <a:effectLst/>
+                        <a:latin typeface="Calibri" panose="020F0502020204030204" pitchFamily="34" charset="0"/>
+                      </a:endParaRPr>
+                    </a:p>
+                  </a:txBody>
+                  <a:tcPr marL="8868" marR="8868" marT="8868" marB="0" anchor="b"/>
+                </a:tc>
+                <a:tc>
+                  <a:txBody>
+                    <a:bodyPr/>
+                    <a:lstStyle/>
+                    <a:p>
+                      <a:pPr algn="r" fontAlgn="b"/>
+                      <a:r>
+                        <a:rPr lang="en-KG" sz="1100" u="none" strike="noStrike" dirty="0">
+                          <a:effectLst/>
+                          <a:highlight>
+                            <a:srgbClr val="00FF00"/>
+                          </a:highlight>
+                        </a:rPr>
+                        <a:t>0</a:t>
+                      </a:r>
+                      <a:endParaRPr lang="en-KG" sz="1100" b="0" i="0" u="none" strike="noStrike" dirty="0">
+                        <a:solidFill>
+                          <a:srgbClr val="000000"/>
+                        </a:solidFill>
+                        <a:effectLst/>
+                        <a:highlight>
+                          <a:srgbClr val="00FF00"/>
+                        </a:highlight>
+                        <a:latin typeface="Calibri" panose="020F0502020204030204" pitchFamily="34" charset="0"/>
+                      </a:endParaRPr>
+                    </a:p>
+                  </a:txBody>
+                  <a:tcPr marL="8868" marR="8868" marT="8868" marB="0" anchor="b"/>
+                </a:tc>
+                <a:tc>
+                  <a:txBody>
+                    <a:bodyPr/>
+                    <a:lstStyle/>
+                    <a:p>
+                      <a:pPr algn="r" fontAlgn="b"/>
+                      <a:r>
+                        <a:rPr lang="en-KG" sz="1100" u="none" strike="noStrike">
+                          <a:effectLst/>
+                        </a:rPr>
+                        <a:t>130</a:t>
+                      </a:r>
+                      <a:endParaRPr lang="en-KG" sz="1100" b="0" i="0" u="none" strike="noStrike">
+                        <a:solidFill>
+                          <a:srgbClr val="000000"/>
+                        </a:solidFill>
+                        <a:effectLst/>
+                        <a:latin typeface="Calibri" panose="020F0502020204030204" pitchFamily="34" charset="0"/>
+                      </a:endParaRPr>
+                    </a:p>
+                  </a:txBody>
+                  <a:tcPr marL="8868" marR="8868" marT="8868" marB="0" anchor="b"/>
+                </a:tc>
+                <a:tc>
+                  <a:txBody>
+                    <a:bodyPr/>
+                    <a:lstStyle/>
+                    <a:p>
+                      <a:pPr algn="r" fontAlgn="b"/>
+                      <a:r>
+                        <a:rPr lang="en-KG" sz="1100" u="none" strike="noStrike">
+                          <a:effectLst/>
+                        </a:rPr>
+                        <a:t>30</a:t>
+                      </a:r>
+                      <a:endParaRPr lang="en-KG" sz="1100" b="0" i="0" u="none" strike="noStrike">
+                        <a:solidFill>
+                          <a:srgbClr val="000000"/>
+                        </a:solidFill>
+                        <a:effectLst/>
+                        <a:latin typeface="Calibri" panose="020F0502020204030204" pitchFamily="34" charset="0"/>
+                      </a:endParaRPr>
+                    </a:p>
+                  </a:txBody>
+                  <a:tcPr marL="8868" marR="8868" marT="8868" marB="0" anchor="b"/>
+                </a:tc>
+                <a:tc>
+                  <a:txBody>
+                    <a:bodyPr/>
+                    <a:lstStyle/>
+                    <a:p>
+                      <a:pPr algn="r" fontAlgn="b"/>
+                      <a:r>
+                        <a:rPr lang="en-KG" sz="1100" u="none" strike="noStrike">
+                          <a:effectLst/>
+                        </a:rPr>
+                        <a:t>10</a:t>
+                      </a:r>
+                      <a:endParaRPr lang="en-KG" sz="1100" b="0" i="0" u="none" strike="noStrike">
+                        <a:solidFill>
+                          <a:srgbClr val="000000"/>
+                        </a:solidFill>
+                        <a:effectLst/>
+                        <a:latin typeface="Calibri" panose="020F0502020204030204" pitchFamily="34" charset="0"/>
+                      </a:endParaRPr>
+                    </a:p>
+                  </a:txBody>
+                  <a:tcPr marL="8868" marR="8868" marT="8868" marB="0" anchor="b"/>
+                </a:tc>
+                <a:tc>
+                  <a:txBody>
+                    <a:bodyPr/>
+                    <a:lstStyle/>
+                    <a:p>
+                      <a:pPr algn="l" fontAlgn="b"/>
+                      <a:r>
+                        <a:rPr lang="en-US" sz="1100" u="none" strike="noStrike">
+                          <a:effectLst/>
+                        </a:rPr>
+                        <a:t>m</a:t>
+                      </a:r>
+                      <a:endParaRPr lang="en-US" sz="1100" b="0" i="0" u="none" strike="noStrike">
+                        <a:solidFill>
+                          <a:srgbClr val="000000"/>
+                        </a:solidFill>
+                        <a:effectLst/>
+                        <a:latin typeface="Calibri" panose="020F0502020204030204" pitchFamily="34" charset="0"/>
+                      </a:endParaRPr>
+                    </a:p>
+                  </a:txBody>
+                  <a:tcPr marL="8868" marR="8868" marT="8868" marB="0" anchor="b"/>
+                </a:tc>
+                <a:extLst>
+                  <a:ext uri="{0D108BD9-81ED-4DB2-BD59-A6C34878D82A}">
+                    <a16:rowId xmlns:a16="http://schemas.microsoft.com/office/drawing/2014/main" val="3219853719"/>
+                  </a:ext>
+                </a:extLst>
+              </a:tr>
+              <a:tr h="208138">
+                <a:tc>
+                  <a:txBody>
+                    <a:bodyPr/>
+                    <a:lstStyle/>
+                    <a:p>
+                      <a:pPr algn="l" fontAlgn="b"/>
+                      <a:r>
+                        <a:rPr lang="en-US" sz="1100" u="none" strike="noStrike">
+                          <a:effectLst/>
+                        </a:rPr>
+                        <a:t>af</a:t>
+                      </a:r>
+                      <a:endParaRPr lang="en-US" sz="1100" b="0" i="0" u="none" strike="noStrike">
+                        <a:solidFill>
+                          <a:srgbClr val="000000"/>
+                        </a:solidFill>
+                        <a:effectLst/>
+                        <a:latin typeface="Calibri" panose="020F0502020204030204" pitchFamily="34" charset="0"/>
+                      </a:endParaRPr>
+                    </a:p>
+                  </a:txBody>
+                  <a:tcPr marL="8868" marR="8868" marT="8868" marB="0" anchor="b"/>
+                </a:tc>
+                <a:tc>
+                  <a:txBody>
+                    <a:bodyPr/>
+                    <a:lstStyle/>
+                    <a:p>
+                      <a:pPr algn="r" fontAlgn="b"/>
+                      <a:r>
+                        <a:rPr lang="en-KG" sz="1100" u="none" strike="noStrike" dirty="0">
+                          <a:effectLst/>
+                          <a:highlight>
+                            <a:srgbClr val="00FF00"/>
+                          </a:highlight>
+                        </a:rPr>
+                        <a:t>0</a:t>
+                      </a:r>
+                      <a:endParaRPr lang="en-KG" sz="1100" b="0" i="0" u="none" strike="noStrike" dirty="0">
+                        <a:solidFill>
+                          <a:srgbClr val="000000"/>
+                        </a:solidFill>
+                        <a:effectLst/>
+                        <a:highlight>
+                          <a:srgbClr val="00FF00"/>
+                        </a:highlight>
+                        <a:latin typeface="Calibri" panose="020F0502020204030204" pitchFamily="34" charset="0"/>
+                      </a:endParaRPr>
+                    </a:p>
+                  </a:txBody>
+                  <a:tcPr marL="8868" marR="8868" marT="8868" marB="0" anchor="b"/>
+                </a:tc>
+                <a:tc>
+                  <a:txBody>
+                    <a:bodyPr/>
+                    <a:lstStyle/>
+                    <a:p>
+                      <a:pPr algn="r" fontAlgn="b"/>
+                      <a:r>
+                        <a:rPr lang="en-KG" sz="1100" u="none" strike="noStrike">
+                          <a:effectLst/>
+                        </a:rPr>
+                        <a:t>125</a:t>
+                      </a:r>
+                      <a:endParaRPr lang="en-KG" sz="1100" b="0" i="0" u="none" strike="noStrike">
+                        <a:solidFill>
+                          <a:srgbClr val="000000"/>
+                        </a:solidFill>
+                        <a:effectLst/>
+                        <a:latin typeface="Calibri" panose="020F0502020204030204" pitchFamily="34" charset="0"/>
+                      </a:endParaRPr>
+                    </a:p>
+                  </a:txBody>
+                  <a:tcPr marL="8868" marR="8868" marT="8868" marB="0" anchor="b"/>
+                </a:tc>
+                <a:tc>
+                  <a:txBody>
+                    <a:bodyPr/>
+                    <a:lstStyle/>
+                    <a:p>
+                      <a:pPr algn="r" fontAlgn="b"/>
+                      <a:r>
+                        <a:rPr lang="en-KG" sz="1100" u="none" strike="noStrike">
+                          <a:effectLst/>
+                        </a:rPr>
+                        <a:t>36</a:t>
+                      </a:r>
+                      <a:endParaRPr lang="en-KG" sz="1100" b="0" i="0" u="none" strike="noStrike">
+                        <a:solidFill>
+                          <a:srgbClr val="000000"/>
+                        </a:solidFill>
+                        <a:effectLst/>
+                        <a:latin typeface="Calibri" panose="020F0502020204030204" pitchFamily="34" charset="0"/>
+                      </a:endParaRPr>
+                    </a:p>
+                  </a:txBody>
+                  <a:tcPr marL="8868" marR="8868" marT="8868" marB="0" anchor="b"/>
+                </a:tc>
+                <a:tc>
+                  <a:txBody>
+                    <a:bodyPr/>
+                    <a:lstStyle/>
+                    <a:p>
+                      <a:pPr algn="r" fontAlgn="b"/>
+                      <a:r>
+                        <a:rPr lang="en-KG" sz="1100" u="none" strike="noStrike">
+                          <a:effectLst/>
+                        </a:rPr>
+                        <a:t>11</a:t>
+                      </a:r>
+                      <a:endParaRPr lang="en-KG" sz="1100" b="0" i="0" u="none" strike="noStrike">
+                        <a:solidFill>
+                          <a:srgbClr val="000000"/>
+                        </a:solidFill>
+                        <a:effectLst/>
+                        <a:latin typeface="Calibri" panose="020F0502020204030204" pitchFamily="34" charset="0"/>
+                      </a:endParaRPr>
+                    </a:p>
+                  </a:txBody>
+                  <a:tcPr marL="8868" marR="8868" marT="8868" marB="0" anchor="b"/>
+                </a:tc>
+                <a:tc>
+                  <a:txBody>
+                    <a:bodyPr/>
+                    <a:lstStyle/>
+                    <a:p>
+                      <a:pPr algn="l" fontAlgn="b"/>
+                      <a:r>
+                        <a:rPr lang="en-US" sz="1100" u="none" strike="noStrike">
+                          <a:effectLst/>
+                        </a:rPr>
+                        <a:t>m</a:t>
+                      </a:r>
+                      <a:endParaRPr lang="en-US" sz="1100" b="0" i="0" u="none" strike="noStrike">
+                        <a:solidFill>
+                          <a:srgbClr val="000000"/>
+                        </a:solidFill>
+                        <a:effectLst/>
+                        <a:latin typeface="Calibri" panose="020F0502020204030204" pitchFamily="34" charset="0"/>
+                      </a:endParaRPr>
+                    </a:p>
+                  </a:txBody>
+                  <a:tcPr marL="8868" marR="8868" marT="8868" marB="0" anchor="b"/>
+                </a:tc>
+                <a:extLst>
+                  <a:ext uri="{0D108BD9-81ED-4DB2-BD59-A6C34878D82A}">
+                    <a16:rowId xmlns:a16="http://schemas.microsoft.com/office/drawing/2014/main" val="718440711"/>
+                  </a:ext>
+                </a:extLst>
+              </a:tr>
+              <a:tr h="208138">
+                <a:tc>
+                  <a:txBody>
+                    <a:bodyPr/>
+                    <a:lstStyle/>
+                    <a:p>
+                      <a:pPr algn="l" fontAlgn="b"/>
+                      <a:r>
+                        <a:rPr lang="en-US" sz="1100" u="none" strike="noStrike">
+                          <a:effectLst/>
+                        </a:rPr>
+                        <a:t>af</a:t>
+                      </a:r>
+                      <a:endParaRPr lang="en-US" sz="1100" b="0" i="0" u="none" strike="noStrike">
+                        <a:solidFill>
+                          <a:srgbClr val="000000"/>
+                        </a:solidFill>
+                        <a:effectLst/>
+                        <a:latin typeface="Calibri" panose="020F0502020204030204" pitchFamily="34" charset="0"/>
+                      </a:endParaRPr>
+                    </a:p>
+                  </a:txBody>
+                  <a:tcPr marL="8868" marR="8868" marT="8868" marB="0" anchor="b"/>
+                </a:tc>
+                <a:tc>
+                  <a:txBody>
+                    <a:bodyPr/>
+                    <a:lstStyle/>
+                    <a:p>
+                      <a:pPr algn="r" fontAlgn="b"/>
+                      <a:r>
+                        <a:rPr lang="en-KG" sz="1100" u="none" strike="noStrike" dirty="0">
+                          <a:effectLst/>
+                          <a:highlight>
+                            <a:srgbClr val="00FF00"/>
+                          </a:highlight>
+                        </a:rPr>
+                        <a:t>0</a:t>
+                      </a:r>
+                      <a:endParaRPr lang="en-KG" sz="1100" b="0" i="0" u="none" strike="noStrike" dirty="0">
+                        <a:solidFill>
+                          <a:srgbClr val="000000"/>
+                        </a:solidFill>
+                        <a:effectLst/>
+                        <a:highlight>
+                          <a:srgbClr val="00FF00"/>
+                        </a:highlight>
+                        <a:latin typeface="Calibri" panose="020F0502020204030204" pitchFamily="34" charset="0"/>
+                      </a:endParaRPr>
+                    </a:p>
+                  </a:txBody>
+                  <a:tcPr marL="8868" marR="8868" marT="8868" marB="0" anchor="b"/>
+                </a:tc>
+                <a:tc>
+                  <a:txBody>
+                    <a:bodyPr/>
+                    <a:lstStyle/>
+                    <a:p>
+                      <a:pPr algn="r" fontAlgn="b"/>
+                      <a:r>
+                        <a:rPr lang="en-KG" sz="1100" u="none" strike="noStrike">
+                          <a:effectLst/>
+                        </a:rPr>
+                        <a:t>135</a:t>
+                      </a:r>
+                      <a:endParaRPr lang="en-KG" sz="1100" b="0" i="0" u="none" strike="noStrike">
+                        <a:solidFill>
+                          <a:srgbClr val="000000"/>
+                        </a:solidFill>
+                        <a:effectLst/>
+                        <a:latin typeface="Calibri" panose="020F0502020204030204" pitchFamily="34" charset="0"/>
+                      </a:endParaRPr>
+                    </a:p>
+                  </a:txBody>
+                  <a:tcPr marL="8868" marR="8868" marT="8868" marB="0" anchor="b"/>
+                </a:tc>
+                <a:tc>
+                  <a:txBody>
+                    <a:bodyPr/>
+                    <a:lstStyle/>
+                    <a:p>
+                      <a:pPr algn="r" fontAlgn="b"/>
+                      <a:r>
+                        <a:rPr lang="en-KG" sz="1100" u="none" strike="noStrike">
+                          <a:effectLst/>
+                        </a:rPr>
+                        <a:t>34</a:t>
+                      </a:r>
+                      <a:endParaRPr lang="en-KG" sz="1100" b="0" i="0" u="none" strike="noStrike">
+                        <a:solidFill>
+                          <a:srgbClr val="000000"/>
+                        </a:solidFill>
+                        <a:effectLst/>
+                        <a:latin typeface="Calibri" panose="020F0502020204030204" pitchFamily="34" charset="0"/>
+                      </a:endParaRPr>
+                    </a:p>
+                  </a:txBody>
+                  <a:tcPr marL="8868" marR="8868" marT="8868" marB="0" anchor="b"/>
+                </a:tc>
+                <a:tc>
+                  <a:txBody>
+                    <a:bodyPr/>
+                    <a:lstStyle/>
+                    <a:p>
+                      <a:pPr algn="r" fontAlgn="b"/>
+                      <a:r>
+                        <a:rPr lang="en-KG" sz="1100" u="none" strike="noStrike">
+                          <a:effectLst/>
+                        </a:rPr>
+                        <a:t>10</a:t>
+                      </a:r>
+                      <a:endParaRPr lang="en-KG" sz="1100" b="0" i="0" u="none" strike="noStrike">
+                        <a:solidFill>
+                          <a:srgbClr val="000000"/>
+                        </a:solidFill>
+                        <a:effectLst/>
+                        <a:latin typeface="Calibri" panose="020F0502020204030204" pitchFamily="34" charset="0"/>
+                      </a:endParaRPr>
+                    </a:p>
+                  </a:txBody>
+                  <a:tcPr marL="8868" marR="8868" marT="8868" marB="0" anchor="b"/>
+                </a:tc>
+                <a:tc>
+                  <a:txBody>
+                    <a:bodyPr/>
+                    <a:lstStyle/>
+                    <a:p>
+                      <a:pPr algn="l" fontAlgn="b"/>
+                      <a:r>
+                        <a:rPr lang="en-US" sz="1100" u="none" strike="noStrike">
+                          <a:effectLst/>
+                        </a:rPr>
+                        <a:t>f</a:t>
+                      </a:r>
+                      <a:endParaRPr lang="en-US" sz="1100" b="0" i="0" u="none" strike="noStrike">
+                        <a:solidFill>
+                          <a:srgbClr val="000000"/>
+                        </a:solidFill>
+                        <a:effectLst/>
+                        <a:latin typeface="Calibri" panose="020F0502020204030204" pitchFamily="34" charset="0"/>
+                      </a:endParaRPr>
+                    </a:p>
+                  </a:txBody>
+                  <a:tcPr marL="8868" marR="8868" marT="8868" marB="0" anchor="b"/>
+                </a:tc>
+                <a:extLst>
+                  <a:ext uri="{0D108BD9-81ED-4DB2-BD59-A6C34878D82A}">
+                    <a16:rowId xmlns:a16="http://schemas.microsoft.com/office/drawing/2014/main" val="2635344527"/>
+                  </a:ext>
+                </a:extLst>
+              </a:tr>
+              <a:tr h="208138">
+                <a:tc>
+                  <a:txBody>
+                    <a:bodyPr/>
+                    <a:lstStyle/>
+                    <a:p>
+                      <a:pPr algn="l" fontAlgn="b"/>
+                      <a:r>
+                        <a:rPr lang="en-US" sz="1100" u="none" strike="noStrike">
+                          <a:effectLst/>
+                        </a:rPr>
+                        <a:t>af</a:t>
+                      </a:r>
+                      <a:endParaRPr lang="en-US" sz="1100" b="0" i="0" u="none" strike="noStrike">
+                        <a:solidFill>
+                          <a:srgbClr val="000000"/>
+                        </a:solidFill>
+                        <a:effectLst/>
+                        <a:latin typeface="Calibri" panose="020F0502020204030204" pitchFamily="34" charset="0"/>
+                      </a:endParaRPr>
+                    </a:p>
+                  </a:txBody>
+                  <a:tcPr marL="8868" marR="8868" marT="8868" marB="0" anchor="b"/>
+                </a:tc>
+                <a:tc>
+                  <a:txBody>
+                    <a:bodyPr/>
+                    <a:lstStyle/>
+                    <a:p>
+                      <a:pPr algn="r" fontAlgn="b"/>
+                      <a:r>
+                        <a:rPr lang="en-KG" sz="1100" u="none" strike="noStrike" dirty="0">
+                          <a:effectLst/>
+                          <a:highlight>
+                            <a:srgbClr val="00FF00"/>
+                          </a:highlight>
+                        </a:rPr>
+                        <a:t>0</a:t>
+                      </a:r>
+                      <a:endParaRPr lang="en-KG" sz="1100" b="0" i="0" u="none" strike="noStrike" dirty="0">
+                        <a:solidFill>
+                          <a:srgbClr val="000000"/>
+                        </a:solidFill>
+                        <a:effectLst/>
+                        <a:highlight>
+                          <a:srgbClr val="00FF00"/>
+                        </a:highlight>
+                        <a:latin typeface="Calibri" panose="020F0502020204030204" pitchFamily="34" charset="0"/>
+                      </a:endParaRPr>
+                    </a:p>
+                  </a:txBody>
+                  <a:tcPr marL="8868" marR="8868" marT="8868" marB="0" anchor="b"/>
+                </a:tc>
+                <a:tc>
+                  <a:txBody>
+                    <a:bodyPr/>
+                    <a:lstStyle/>
+                    <a:p>
+                      <a:pPr algn="r" fontAlgn="b"/>
+                      <a:r>
+                        <a:rPr lang="en-KG" sz="1100" u="none" strike="noStrike">
+                          <a:effectLst/>
+                        </a:rPr>
+                        <a:t>133</a:t>
+                      </a:r>
+                      <a:endParaRPr lang="en-KG" sz="1100" b="0" i="0" u="none" strike="noStrike">
+                        <a:solidFill>
+                          <a:srgbClr val="000000"/>
+                        </a:solidFill>
+                        <a:effectLst/>
+                        <a:latin typeface="Calibri" panose="020F0502020204030204" pitchFamily="34" charset="0"/>
+                      </a:endParaRPr>
+                    </a:p>
+                  </a:txBody>
+                  <a:tcPr marL="8868" marR="8868" marT="8868" marB="0" anchor="b"/>
+                </a:tc>
+                <a:tc>
+                  <a:txBody>
+                    <a:bodyPr/>
+                    <a:lstStyle/>
+                    <a:p>
+                      <a:pPr algn="r" fontAlgn="b"/>
+                      <a:r>
+                        <a:rPr lang="en-KG" sz="1100" u="none" strike="noStrike">
+                          <a:effectLst/>
+                        </a:rPr>
+                        <a:t>30</a:t>
+                      </a:r>
+                      <a:endParaRPr lang="en-KG" sz="1100" b="0" i="0" u="none" strike="noStrike">
+                        <a:solidFill>
+                          <a:srgbClr val="000000"/>
+                        </a:solidFill>
+                        <a:effectLst/>
+                        <a:latin typeface="Calibri" panose="020F0502020204030204" pitchFamily="34" charset="0"/>
+                      </a:endParaRPr>
+                    </a:p>
+                  </a:txBody>
+                  <a:tcPr marL="8868" marR="8868" marT="8868" marB="0" anchor="b"/>
+                </a:tc>
+                <a:tc>
+                  <a:txBody>
+                    <a:bodyPr/>
+                    <a:lstStyle/>
+                    <a:p>
+                      <a:pPr algn="r" fontAlgn="b"/>
+                      <a:r>
+                        <a:rPr lang="en-KG" sz="1100" u="none" strike="noStrike">
+                          <a:effectLst/>
+                        </a:rPr>
+                        <a:t>9</a:t>
+                      </a:r>
+                      <a:endParaRPr lang="en-KG" sz="1100" b="0" i="0" u="none" strike="noStrike">
+                        <a:solidFill>
+                          <a:srgbClr val="000000"/>
+                        </a:solidFill>
+                        <a:effectLst/>
+                        <a:latin typeface="Calibri" panose="020F0502020204030204" pitchFamily="34" charset="0"/>
+                      </a:endParaRPr>
+                    </a:p>
+                  </a:txBody>
+                  <a:tcPr marL="8868" marR="8868" marT="8868" marB="0" anchor="b"/>
+                </a:tc>
+                <a:tc>
+                  <a:txBody>
+                    <a:bodyPr/>
+                    <a:lstStyle/>
+                    <a:p>
+                      <a:pPr algn="l" fontAlgn="b"/>
+                      <a:r>
+                        <a:rPr lang="en-US" sz="1100" u="none" strike="noStrike">
+                          <a:effectLst/>
+                        </a:rPr>
+                        <a:t>f</a:t>
+                      </a:r>
+                      <a:endParaRPr lang="en-US" sz="1100" b="0" i="0" u="none" strike="noStrike">
+                        <a:solidFill>
+                          <a:srgbClr val="000000"/>
+                        </a:solidFill>
+                        <a:effectLst/>
+                        <a:latin typeface="Calibri" panose="020F0502020204030204" pitchFamily="34" charset="0"/>
+                      </a:endParaRPr>
+                    </a:p>
+                  </a:txBody>
+                  <a:tcPr marL="8868" marR="8868" marT="8868" marB="0" anchor="b"/>
+                </a:tc>
+                <a:extLst>
+                  <a:ext uri="{0D108BD9-81ED-4DB2-BD59-A6C34878D82A}">
+                    <a16:rowId xmlns:a16="http://schemas.microsoft.com/office/drawing/2014/main" val="3481768075"/>
+                  </a:ext>
+                </a:extLst>
+              </a:tr>
+              <a:tr h="208138">
+                <a:tc>
+                  <a:txBody>
+                    <a:bodyPr/>
+                    <a:lstStyle/>
+                    <a:p>
+                      <a:pPr algn="l" fontAlgn="b"/>
+                      <a:r>
+                        <a:rPr lang="en-US" sz="1100" u="none" strike="noStrike">
+                          <a:effectLst/>
+                        </a:rPr>
+                        <a:t>af</a:t>
+                      </a:r>
+                      <a:endParaRPr lang="en-US" sz="1100" b="0" i="0" u="none" strike="noStrike">
+                        <a:solidFill>
+                          <a:srgbClr val="000000"/>
+                        </a:solidFill>
+                        <a:effectLst/>
+                        <a:latin typeface="Calibri" panose="020F0502020204030204" pitchFamily="34" charset="0"/>
+                      </a:endParaRPr>
+                    </a:p>
+                  </a:txBody>
+                  <a:tcPr marL="8868" marR="8868" marT="8868" marB="0" anchor="b"/>
+                </a:tc>
+                <a:tc>
+                  <a:txBody>
+                    <a:bodyPr/>
+                    <a:lstStyle/>
+                    <a:p>
+                      <a:pPr algn="r" fontAlgn="b"/>
+                      <a:r>
+                        <a:rPr lang="en-KG" sz="1100" u="none" strike="noStrike" dirty="0">
+                          <a:effectLst/>
+                          <a:highlight>
+                            <a:srgbClr val="00FF00"/>
+                          </a:highlight>
+                        </a:rPr>
+                        <a:t>0</a:t>
+                      </a:r>
+                      <a:endParaRPr lang="en-KG" sz="1100" b="0" i="0" u="none" strike="noStrike" dirty="0">
+                        <a:solidFill>
+                          <a:srgbClr val="000000"/>
+                        </a:solidFill>
+                        <a:effectLst/>
+                        <a:highlight>
+                          <a:srgbClr val="00FF00"/>
+                        </a:highlight>
+                        <a:latin typeface="Calibri" panose="020F0502020204030204" pitchFamily="34" charset="0"/>
+                      </a:endParaRPr>
+                    </a:p>
+                  </a:txBody>
+                  <a:tcPr marL="8868" marR="8868" marT="8868" marB="0" anchor="b"/>
+                </a:tc>
+                <a:tc>
+                  <a:txBody>
+                    <a:bodyPr/>
+                    <a:lstStyle/>
+                    <a:p>
+                      <a:pPr algn="r" fontAlgn="b"/>
+                      <a:r>
+                        <a:rPr lang="en-KG" sz="1100" u="none" strike="noStrike">
+                          <a:effectLst/>
+                        </a:rPr>
+                        <a:t>129</a:t>
+                      </a:r>
+                      <a:endParaRPr lang="en-KG" sz="1100" b="0" i="0" u="none" strike="noStrike">
+                        <a:solidFill>
+                          <a:srgbClr val="000000"/>
+                        </a:solidFill>
+                        <a:effectLst/>
+                        <a:latin typeface="Calibri" panose="020F0502020204030204" pitchFamily="34" charset="0"/>
+                      </a:endParaRPr>
+                    </a:p>
+                  </a:txBody>
+                  <a:tcPr marL="8868" marR="8868" marT="8868" marB="0" anchor="b"/>
+                </a:tc>
+                <a:tc>
+                  <a:txBody>
+                    <a:bodyPr/>
+                    <a:lstStyle/>
+                    <a:p>
+                      <a:pPr algn="r" fontAlgn="b"/>
+                      <a:r>
+                        <a:rPr lang="en-KG" sz="1100" u="none" strike="noStrike">
+                          <a:effectLst/>
+                        </a:rPr>
+                        <a:t>38</a:t>
+                      </a:r>
+                      <a:endParaRPr lang="en-KG" sz="1100" b="0" i="0" u="none" strike="noStrike">
+                        <a:solidFill>
+                          <a:srgbClr val="000000"/>
+                        </a:solidFill>
+                        <a:effectLst/>
+                        <a:latin typeface="Calibri" panose="020F0502020204030204" pitchFamily="34" charset="0"/>
+                      </a:endParaRPr>
+                    </a:p>
+                  </a:txBody>
+                  <a:tcPr marL="8868" marR="8868" marT="8868" marB="0" anchor="b"/>
+                </a:tc>
+                <a:tc>
+                  <a:txBody>
+                    <a:bodyPr/>
+                    <a:lstStyle/>
+                    <a:p>
+                      <a:pPr algn="r" fontAlgn="b"/>
+                      <a:r>
+                        <a:rPr lang="en-KG" sz="1100" u="none" strike="noStrike">
+                          <a:effectLst/>
+                        </a:rPr>
+                        <a:t>12</a:t>
+                      </a:r>
+                      <a:endParaRPr lang="en-KG" sz="1100" b="0" i="0" u="none" strike="noStrike">
+                        <a:solidFill>
+                          <a:srgbClr val="000000"/>
+                        </a:solidFill>
+                        <a:effectLst/>
+                        <a:latin typeface="Calibri" panose="020F0502020204030204" pitchFamily="34" charset="0"/>
+                      </a:endParaRPr>
+                    </a:p>
+                  </a:txBody>
+                  <a:tcPr marL="8868" marR="8868" marT="8868" marB="0" anchor="b"/>
+                </a:tc>
+                <a:tc>
+                  <a:txBody>
+                    <a:bodyPr/>
+                    <a:lstStyle/>
+                    <a:p>
+                      <a:pPr algn="l" fontAlgn="b"/>
+                      <a:r>
+                        <a:rPr lang="en-US" sz="1100" u="none" strike="noStrike">
+                          <a:effectLst/>
+                        </a:rPr>
+                        <a:t>m</a:t>
+                      </a:r>
+                      <a:endParaRPr lang="en-US" sz="1100" b="0" i="0" u="none" strike="noStrike">
+                        <a:solidFill>
+                          <a:srgbClr val="000000"/>
+                        </a:solidFill>
+                        <a:effectLst/>
+                        <a:latin typeface="Calibri" panose="020F0502020204030204" pitchFamily="34" charset="0"/>
+                      </a:endParaRPr>
+                    </a:p>
+                  </a:txBody>
+                  <a:tcPr marL="8868" marR="8868" marT="8868" marB="0" anchor="b"/>
+                </a:tc>
+                <a:extLst>
+                  <a:ext uri="{0D108BD9-81ED-4DB2-BD59-A6C34878D82A}">
+                    <a16:rowId xmlns:a16="http://schemas.microsoft.com/office/drawing/2014/main" val="3983265392"/>
+                  </a:ext>
+                </a:extLst>
+              </a:tr>
+              <a:tr h="208138">
+                <a:tc>
+                  <a:txBody>
+                    <a:bodyPr/>
+                    <a:lstStyle/>
+                    <a:p>
+                      <a:pPr algn="l" fontAlgn="b"/>
+                      <a:r>
+                        <a:rPr lang="en-US" sz="1100" u="none" strike="noStrike">
+                          <a:effectLst/>
+                        </a:rPr>
+                        <a:t>af</a:t>
+                      </a:r>
+                      <a:endParaRPr lang="en-US" sz="1100" b="0" i="0" u="none" strike="noStrike">
+                        <a:solidFill>
+                          <a:srgbClr val="000000"/>
+                        </a:solidFill>
+                        <a:effectLst/>
+                        <a:latin typeface="Calibri" panose="020F0502020204030204" pitchFamily="34" charset="0"/>
+                      </a:endParaRPr>
+                    </a:p>
+                  </a:txBody>
+                  <a:tcPr marL="8868" marR="8868" marT="8868" marB="0" anchor="b"/>
+                </a:tc>
+                <a:tc>
+                  <a:txBody>
+                    <a:bodyPr/>
+                    <a:lstStyle/>
+                    <a:p>
+                      <a:pPr algn="r" fontAlgn="b"/>
+                      <a:r>
+                        <a:rPr lang="en-KG" sz="1100" u="none" strike="noStrike" dirty="0">
+                          <a:effectLst/>
+                          <a:highlight>
+                            <a:srgbClr val="00FF00"/>
+                          </a:highlight>
+                        </a:rPr>
+                        <a:t>0</a:t>
+                      </a:r>
+                      <a:endParaRPr lang="en-KG" sz="1100" b="0" i="0" u="none" strike="noStrike" dirty="0">
+                        <a:solidFill>
+                          <a:srgbClr val="000000"/>
+                        </a:solidFill>
+                        <a:effectLst/>
+                        <a:highlight>
+                          <a:srgbClr val="00FF00"/>
+                        </a:highlight>
+                        <a:latin typeface="Calibri" panose="020F0502020204030204" pitchFamily="34" charset="0"/>
+                      </a:endParaRPr>
+                    </a:p>
+                  </a:txBody>
+                  <a:tcPr marL="8868" marR="8868" marT="8868" marB="0" anchor="b"/>
+                </a:tc>
+                <a:tc>
+                  <a:txBody>
+                    <a:bodyPr/>
+                    <a:lstStyle/>
+                    <a:p>
+                      <a:pPr algn="r" fontAlgn="b"/>
+                      <a:r>
+                        <a:rPr lang="en-KG" sz="1100" u="none" strike="noStrike">
+                          <a:effectLst/>
+                        </a:rPr>
+                        <a:t>180</a:t>
+                      </a:r>
+                      <a:endParaRPr lang="en-KG" sz="1100" b="0" i="0" u="none" strike="noStrike">
+                        <a:solidFill>
+                          <a:srgbClr val="000000"/>
+                        </a:solidFill>
+                        <a:effectLst/>
+                        <a:latin typeface="Calibri" panose="020F0502020204030204" pitchFamily="34" charset="0"/>
+                      </a:endParaRPr>
+                    </a:p>
+                  </a:txBody>
+                  <a:tcPr marL="8868" marR="8868" marT="8868" marB="0" anchor="b"/>
+                </a:tc>
+                <a:tc>
+                  <a:txBody>
+                    <a:bodyPr/>
+                    <a:lstStyle/>
+                    <a:p>
+                      <a:pPr algn="r" fontAlgn="b"/>
+                      <a:r>
+                        <a:rPr lang="en-KG" sz="1100" u="none" strike="noStrike" dirty="0">
+                          <a:effectLst/>
+                        </a:rPr>
+                        <a:t>90</a:t>
+                      </a:r>
+                      <a:endParaRPr lang="en-KG" sz="1100" b="0" i="0" u="none" strike="noStrike" dirty="0">
+                        <a:solidFill>
+                          <a:srgbClr val="000000"/>
+                        </a:solidFill>
+                        <a:effectLst/>
+                        <a:latin typeface="Calibri" panose="020F0502020204030204" pitchFamily="34" charset="0"/>
+                      </a:endParaRPr>
+                    </a:p>
+                  </a:txBody>
+                  <a:tcPr marL="8868" marR="8868" marT="8868" marB="0" anchor="b"/>
+                </a:tc>
+                <a:tc>
+                  <a:txBody>
+                    <a:bodyPr/>
+                    <a:lstStyle/>
+                    <a:p>
+                      <a:pPr algn="r" fontAlgn="b"/>
+                      <a:r>
+                        <a:rPr lang="en-KG" sz="1100" u="none" strike="noStrike">
+                          <a:effectLst/>
+                        </a:rPr>
+                        <a:t>30</a:t>
+                      </a:r>
+                      <a:endParaRPr lang="en-KG" sz="1100" b="0" i="0" u="none" strike="noStrike">
+                        <a:solidFill>
+                          <a:srgbClr val="000000"/>
+                        </a:solidFill>
+                        <a:effectLst/>
+                        <a:latin typeface="Calibri" panose="020F0502020204030204" pitchFamily="34" charset="0"/>
+                      </a:endParaRPr>
+                    </a:p>
+                  </a:txBody>
+                  <a:tcPr marL="8868" marR="8868" marT="8868" marB="0" anchor="b"/>
+                </a:tc>
+                <a:tc>
+                  <a:txBody>
+                    <a:bodyPr/>
+                    <a:lstStyle/>
+                    <a:p>
+                      <a:pPr algn="l" fontAlgn="b"/>
+                      <a:r>
+                        <a:rPr lang="en-US" sz="1100" u="none" strike="noStrike">
+                          <a:effectLst/>
+                        </a:rPr>
+                        <a:t>m</a:t>
+                      </a:r>
+                      <a:endParaRPr lang="en-US" sz="1100" b="0" i="0" u="none" strike="noStrike">
+                        <a:solidFill>
+                          <a:srgbClr val="000000"/>
+                        </a:solidFill>
+                        <a:effectLst/>
+                        <a:latin typeface="Calibri" panose="020F0502020204030204" pitchFamily="34" charset="0"/>
+                      </a:endParaRPr>
+                    </a:p>
+                  </a:txBody>
+                  <a:tcPr marL="8868" marR="8868" marT="8868" marB="0" anchor="b"/>
+                </a:tc>
+                <a:extLst>
+                  <a:ext uri="{0D108BD9-81ED-4DB2-BD59-A6C34878D82A}">
+                    <a16:rowId xmlns:a16="http://schemas.microsoft.com/office/drawing/2014/main" val="1225668366"/>
+                  </a:ext>
+                </a:extLst>
+              </a:tr>
+              <a:tr h="208138">
+                <a:tc>
+                  <a:txBody>
+                    <a:bodyPr/>
+                    <a:lstStyle/>
+                    <a:p>
+                      <a:pPr algn="l" fontAlgn="b"/>
+                      <a:r>
+                        <a:rPr lang="en-US" sz="1100" u="none" strike="noStrike">
+                          <a:effectLst/>
+                        </a:rPr>
+                        <a:t>af</a:t>
+                      </a:r>
+                      <a:endParaRPr lang="en-US" sz="1100" b="0" i="0" u="none" strike="noStrike">
+                        <a:solidFill>
+                          <a:srgbClr val="000000"/>
+                        </a:solidFill>
+                        <a:effectLst/>
+                        <a:latin typeface="Calibri" panose="020F0502020204030204" pitchFamily="34" charset="0"/>
+                      </a:endParaRPr>
+                    </a:p>
+                  </a:txBody>
+                  <a:tcPr marL="8868" marR="8868" marT="8868" marB="0" anchor="b"/>
+                </a:tc>
+                <a:tc>
+                  <a:txBody>
+                    <a:bodyPr/>
+                    <a:lstStyle/>
+                    <a:p>
+                      <a:pPr algn="r" fontAlgn="b"/>
+                      <a:r>
+                        <a:rPr lang="en-KG" sz="1100" u="none" strike="noStrike" dirty="0">
+                          <a:effectLst/>
+                          <a:highlight>
+                            <a:srgbClr val="00FF00"/>
+                          </a:highlight>
+                        </a:rPr>
+                        <a:t>0</a:t>
+                      </a:r>
+                      <a:endParaRPr lang="en-KG" sz="1100" b="0" i="0" u="none" strike="noStrike" dirty="0">
+                        <a:solidFill>
+                          <a:srgbClr val="000000"/>
+                        </a:solidFill>
+                        <a:effectLst/>
+                        <a:highlight>
+                          <a:srgbClr val="00FF00"/>
+                        </a:highlight>
+                        <a:latin typeface="Calibri" panose="020F0502020204030204" pitchFamily="34" charset="0"/>
+                      </a:endParaRPr>
+                    </a:p>
+                  </a:txBody>
+                  <a:tcPr marL="8868" marR="8868" marT="8868" marB="0" anchor="b"/>
+                </a:tc>
+                <a:tc>
+                  <a:txBody>
+                    <a:bodyPr/>
+                    <a:lstStyle/>
+                    <a:p>
+                      <a:pPr algn="r" fontAlgn="b"/>
+                      <a:r>
+                        <a:rPr lang="en-KG" sz="1100" u="none" strike="noStrike">
+                          <a:effectLst/>
+                        </a:rPr>
+                        <a:t>190</a:t>
+                      </a:r>
+                      <a:endParaRPr lang="en-KG" sz="1100" b="0" i="0" u="none" strike="noStrike">
+                        <a:solidFill>
+                          <a:srgbClr val="000000"/>
+                        </a:solidFill>
+                        <a:effectLst/>
+                        <a:latin typeface="Calibri" panose="020F0502020204030204" pitchFamily="34" charset="0"/>
+                      </a:endParaRPr>
+                    </a:p>
+                  </a:txBody>
+                  <a:tcPr marL="8868" marR="8868" marT="8868" marB="0" anchor="b"/>
+                </a:tc>
+                <a:tc>
+                  <a:txBody>
+                    <a:bodyPr/>
+                    <a:lstStyle/>
+                    <a:p>
+                      <a:pPr algn="r" fontAlgn="b"/>
+                      <a:r>
+                        <a:rPr lang="en-KG" sz="1100" u="none" strike="noStrike">
+                          <a:effectLst/>
+                        </a:rPr>
+                        <a:t>80</a:t>
+                      </a:r>
+                      <a:endParaRPr lang="en-KG" sz="1100" b="0" i="0" u="none" strike="noStrike">
+                        <a:solidFill>
+                          <a:srgbClr val="000000"/>
+                        </a:solidFill>
+                        <a:effectLst/>
+                        <a:latin typeface="Calibri" panose="020F0502020204030204" pitchFamily="34" charset="0"/>
+                      </a:endParaRPr>
+                    </a:p>
+                  </a:txBody>
+                  <a:tcPr marL="8868" marR="8868" marT="8868" marB="0" anchor="b"/>
+                </a:tc>
+                <a:tc>
+                  <a:txBody>
+                    <a:bodyPr/>
+                    <a:lstStyle/>
+                    <a:p>
+                      <a:pPr algn="r" fontAlgn="b"/>
+                      <a:r>
+                        <a:rPr lang="en-KG" sz="1100" u="none" strike="noStrike">
+                          <a:effectLst/>
+                        </a:rPr>
+                        <a:t>25</a:t>
+                      </a:r>
+                      <a:endParaRPr lang="en-KG" sz="1100" b="0" i="0" u="none" strike="noStrike">
+                        <a:solidFill>
+                          <a:srgbClr val="000000"/>
+                        </a:solidFill>
+                        <a:effectLst/>
+                        <a:latin typeface="Calibri" panose="020F0502020204030204" pitchFamily="34" charset="0"/>
+                      </a:endParaRPr>
+                    </a:p>
+                  </a:txBody>
+                  <a:tcPr marL="8868" marR="8868" marT="8868" marB="0" anchor="b"/>
+                </a:tc>
+                <a:tc>
+                  <a:txBody>
+                    <a:bodyPr/>
+                    <a:lstStyle/>
+                    <a:p>
+                      <a:pPr algn="l" fontAlgn="b"/>
+                      <a:r>
+                        <a:rPr lang="en-US" sz="1100" u="none" strike="noStrike">
+                          <a:effectLst/>
+                        </a:rPr>
+                        <a:t>m</a:t>
+                      </a:r>
+                      <a:endParaRPr lang="en-US" sz="1100" b="0" i="0" u="none" strike="noStrike">
+                        <a:solidFill>
+                          <a:srgbClr val="000000"/>
+                        </a:solidFill>
+                        <a:effectLst/>
+                        <a:latin typeface="Calibri" panose="020F0502020204030204" pitchFamily="34" charset="0"/>
+                      </a:endParaRPr>
+                    </a:p>
+                  </a:txBody>
+                  <a:tcPr marL="8868" marR="8868" marT="8868" marB="0" anchor="b"/>
+                </a:tc>
+                <a:extLst>
+                  <a:ext uri="{0D108BD9-81ED-4DB2-BD59-A6C34878D82A}">
+                    <a16:rowId xmlns:a16="http://schemas.microsoft.com/office/drawing/2014/main" val="2780762142"/>
+                  </a:ext>
+                </a:extLst>
+              </a:tr>
+              <a:tr h="208138">
+                <a:tc>
+                  <a:txBody>
+                    <a:bodyPr/>
+                    <a:lstStyle/>
+                    <a:p>
+                      <a:pPr algn="l" fontAlgn="b"/>
+                      <a:r>
+                        <a:rPr lang="en-US" sz="1100" u="none" strike="noStrike">
+                          <a:effectLst/>
+                        </a:rPr>
+                        <a:t>af</a:t>
+                      </a:r>
+                      <a:endParaRPr lang="en-US" sz="1100" b="0" i="0" u="none" strike="noStrike">
+                        <a:solidFill>
+                          <a:srgbClr val="000000"/>
+                        </a:solidFill>
+                        <a:effectLst/>
+                        <a:latin typeface="Calibri" panose="020F0502020204030204" pitchFamily="34" charset="0"/>
+                      </a:endParaRPr>
+                    </a:p>
+                  </a:txBody>
+                  <a:tcPr marL="8868" marR="8868" marT="8868" marB="0" anchor="b"/>
+                </a:tc>
+                <a:tc>
+                  <a:txBody>
+                    <a:bodyPr/>
+                    <a:lstStyle/>
+                    <a:p>
+                      <a:pPr algn="r" fontAlgn="b"/>
+                      <a:r>
+                        <a:rPr lang="en-KG" sz="1100" u="none" strike="noStrike" dirty="0">
+                          <a:effectLst/>
+                          <a:highlight>
+                            <a:srgbClr val="00FF00"/>
+                          </a:highlight>
+                        </a:rPr>
+                        <a:t>0</a:t>
+                      </a:r>
+                      <a:endParaRPr lang="en-KG" sz="1100" b="0" i="0" u="none" strike="noStrike" dirty="0">
+                        <a:solidFill>
+                          <a:srgbClr val="000000"/>
+                        </a:solidFill>
+                        <a:effectLst/>
+                        <a:highlight>
+                          <a:srgbClr val="00FF00"/>
+                        </a:highlight>
+                        <a:latin typeface="Calibri" panose="020F0502020204030204" pitchFamily="34" charset="0"/>
+                      </a:endParaRPr>
+                    </a:p>
+                  </a:txBody>
+                  <a:tcPr marL="8868" marR="8868" marT="8868" marB="0" anchor="b"/>
+                </a:tc>
+                <a:tc>
+                  <a:txBody>
+                    <a:bodyPr/>
+                    <a:lstStyle/>
+                    <a:p>
+                      <a:pPr algn="r" fontAlgn="b"/>
+                      <a:r>
+                        <a:rPr lang="en-KG" sz="1100" u="none" strike="noStrike">
+                          <a:effectLst/>
+                        </a:rPr>
+                        <a:t>175</a:t>
+                      </a:r>
+                      <a:endParaRPr lang="en-KG" sz="1100" b="0" i="0" u="none" strike="noStrike">
+                        <a:solidFill>
+                          <a:srgbClr val="000000"/>
+                        </a:solidFill>
+                        <a:effectLst/>
+                        <a:latin typeface="Calibri" panose="020F0502020204030204" pitchFamily="34" charset="0"/>
+                      </a:endParaRPr>
+                    </a:p>
+                  </a:txBody>
+                  <a:tcPr marL="8868" marR="8868" marT="8868" marB="0" anchor="b"/>
+                </a:tc>
+                <a:tc>
+                  <a:txBody>
+                    <a:bodyPr/>
+                    <a:lstStyle/>
+                    <a:p>
+                      <a:pPr algn="r" fontAlgn="b"/>
+                      <a:r>
+                        <a:rPr lang="en-KG" sz="1100" u="none" strike="noStrike">
+                          <a:effectLst/>
+                        </a:rPr>
+                        <a:t>90</a:t>
+                      </a:r>
+                      <a:endParaRPr lang="en-KG" sz="1100" b="0" i="0" u="none" strike="noStrike">
+                        <a:solidFill>
+                          <a:srgbClr val="000000"/>
+                        </a:solidFill>
+                        <a:effectLst/>
+                        <a:latin typeface="Calibri" panose="020F0502020204030204" pitchFamily="34" charset="0"/>
+                      </a:endParaRPr>
+                    </a:p>
+                  </a:txBody>
+                  <a:tcPr marL="8868" marR="8868" marT="8868" marB="0" anchor="b"/>
+                </a:tc>
+                <a:tc>
+                  <a:txBody>
+                    <a:bodyPr/>
+                    <a:lstStyle/>
+                    <a:p>
+                      <a:pPr algn="r" fontAlgn="b"/>
+                      <a:r>
+                        <a:rPr lang="en-KG" sz="1100" u="none" strike="noStrike">
+                          <a:effectLst/>
+                        </a:rPr>
+                        <a:t>35</a:t>
+                      </a:r>
+                      <a:endParaRPr lang="en-KG" sz="1100" b="0" i="0" u="none" strike="noStrike">
+                        <a:solidFill>
+                          <a:srgbClr val="000000"/>
+                        </a:solidFill>
+                        <a:effectLst/>
+                        <a:latin typeface="Calibri" panose="020F0502020204030204" pitchFamily="34" charset="0"/>
+                      </a:endParaRPr>
+                    </a:p>
+                  </a:txBody>
+                  <a:tcPr marL="8868" marR="8868" marT="8868" marB="0" anchor="b"/>
+                </a:tc>
+                <a:tc>
+                  <a:txBody>
+                    <a:bodyPr/>
+                    <a:lstStyle/>
+                    <a:p>
+                      <a:pPr algn="l" fontAlgn="b"/>
+                      <a:r>
+                        <a:rPr lang="en-US" sz="1100" u="none" strike="noStrike">
+                          <a:effectLst/>
+                        </a:rPr>
+                        <a:t>m</a:t>
+                      </a:r>
+                      <a:endParaRPr lang="en-US" sz="1100" b="0" i="0" u="none" strike="noStrike">
+                        <a:solidFill>
+                          <a:srgbClr val="000000"/>
+                        </a:solidFill>
+                        <a:effectLst/>
+                        <a:latin typeface="Calibri" panose="020F0502020204030204" pitchFamily="34" charset="0"/>
+                      </a:endParaRPr>
+                    </a:p>
+                  </a:txBody>
+                  <a:tcPr marL="8868" marR="8868" marT="8868" marB="0" anchor="b"/>
+                </a:tc>
+                <a:extLst>
+                  <a:ext uri="{0D108BD9-81ED-4DB2-BD59-A6C34878D82A}">
+                    <a16:rowId xmlns:a16="http://schemas.microsoft.com/office/drawing/2014/main" val="2233155308"/>
+                  </a:ext>
+                </a:extLst>
+              </a:tr>
+              <a:tr h="194187">
+                <a:tc>
+                  <a:txBody>
+                    <a:bodyPr/>
+                    <a:lstStyle/>
+                    <a:p>
+                      <a:pPr algn="l" fontAlgn="b"/>
+                      <a:r>
+                        <a:rPr lang="en-US" sz="1100" u="none" strike="noStrike">
+                          <a:effectLst/>
+                        </a:rPr>
+                        <a:t>af</a:t>
+                      </a:r>
+                      <a:endParaRPr lang="en-US" sz="1100" b="0" i="0" u="none" strike="noStrike">
+                        <a:solidFill>
+                          <a:srgbClr val="000000"/>
+                        </a:solidFill>
+                        <a:effectLst/>
+                        <a:latin typeface="Calibri" panose="020F0502020204030204" pitchFamily="34" charset="0"/>
+                      </a:endParaRPr>
+                    </a:p>
+                  </a:txBody>
+                  <a:tcPr marL="8868" marR="8868" marT="8868" marB="0" anchor="b"/>
+                </a:tc>
+                <a:tc>
+                  <a:txBody>
+                    <a:bodyPr/>
+                    <a:lstStyle/>
+                    <a:p>
+                      <a:pPr algn="r" fontAlgn="b"/>
+                      <a:r>
+                        <a:rPr lang="en-KG" sz="1100" u="none" strike="noStrike" dirty="0">
+                          <a:effectLst/>
+                          <a:highlight>
+                            <a:srgbClr val="00FF00"/>
+                          </a:highlight>
+                        </a:rPr>
+                        <a:t>0</a:t>
+                      </a:r>
+                      <a:endParaRPr lang="en-KG" sz="1100" b="0" i="0" u="none" strike="noStrike" dirty="0">
+                        <a:solidFill>
+                          <a:srgbClr val="000000"/>
+                        </a:solidFill>
+                        <a:effectLst/>
+                        <a:highlight>
+                          <a:srgbClr val="00FF00"/>
+                        </a:highlight>
+                        <a:latin typeface="Calibri" panose="020F0502020204030204" pitchFamily="34" charset="0"/>
+                      </a:endParaRPr>
+                    </a:p>
+                  </a:txBody>
+                  <a:tcPr marL="8868" marR="8868" marT="8868" marB="0" anchor="b"/>
+                </a:tc>
+                <a:tc>
+                  <a:txBody>
+                    <a:bodyPr/>
+                    <a:lstStyle/>
+                    <a:p>
+                      <a:pPr algn="r" fontAlgn="b"/>
+                      <a:r>
+                        <a:rPr lang="en-KG" sz="1100" u="none" strike="noStrike">
+                          <a:effectLst/>
+                        </a:rPr>
+                        <a:t>177</a:t>
+                      </a:r>
+                      <a:endParaRPr lang="en-KG" sz="1100" b="0" i="0" u="none" strike="noStrike">
+                        <a:solidFill>
+                          <a:srgbClr val="000000"/>
+                        </a:solidFill>
+                        <a:effectLst/>
+                        <a:latin typeface="Calibri" panose="020F0502020204030204" pitchFamily="34" charset="0"/>
+                      </a:endParaRPr>
+                    </a:p>
+                  </a:txBody>
+                  <a:tcPr marL="8868" marR="8868" marT="8868" marB="0" anchor="b"/>
+                </a:tc>
+                <a:tc>
+                  <a:txBody>
+                    <a:bodyPr/>
+                    <a:lstStyle/>
+                    <a:p>
+                      <a:pPr algn="r" fontAlgn="b"/>
+                      <a:r>
+                        <a:rPr lang="en-KG" sz="1100" u="none" strike="noStrike">
+                          <a:effectLst/>
+                        </a:rPr>
+                        <a:t>60</a:t>
+                      </a:r>
+                      <a:endParaRPr lang="en-KG" sz="1100" b="0" i="0" u="none" strike="noStrike">
+                        <a:solidFill>
+                          <a:srgbClr val="000000"/>
+                        </a:solidFill>
+                        <a:effectLst/>
+                        <a:latin typeface="Calibri" panose="020F0502020204030204" pitchFamily="34" charset="0"/>
+                      </a:endParaRPr>
+                    </a:p>
+                  </a:txBody>
+                  <a:tcPr marL="8868" marR="8868" marT="8868" marB="0" anchor="b"/>
+                </a:tc>
+                <a:tc>
+                  <a:txBody>
+                    <a:bodyPr/>
+                    <a:lstStyle/>
+                    <a:p>
+                      <a:pPr algn="r" fontAlgn="b"/>
+                      <a:r>
+                        <a:rPr lang="en-KG" sz="1100" u="none" strike="noStrike">
+                          <a:effectLst/>
+                        </a:rPr>
+                        <a:t>22</a:t>
+                      </a:r>
+                      <a:endParaRPr lang="en-KG" sz="1100" b="0" i="0" u="none" strike="noStrike">
+                        <a:solidFill>
+                          <a:srgbClr val="000000"/>
+                        </a:solidFill>
+                        <a:effectLst/>
+                        <a:latin typeface="Calibri" panose="020F0502020204030204" pitchFamily="34" charset="0"/>
+                      </a:endParaRPr>
+                    </a:p>
+                  </a:txBody>
+                  <a:tcPr marL="8868" marR="8868" marT="8868" marB="0" anchor="b"/>
+                </a:tc>
+                <a:tc>
+                  <a:txBody>
+                    <a:bodyPr/>
+                    <a:lstStyle/>
+                    <a:p>
+                      <a:pPr algn="l" fontAlgn="b"/>
+                      <a:r>
+                        <a:rPr lang="en-US" sz="1100" u="none" strike="noStrike">
+                          <a:effectLst/>
+                        </a:rPr>
+                        <a:t>f</a:t>
+                      </a:r>
+                      <a:endParaRPr lang="en-US" sz="1100" b="0" i="0" u="none" strike="noStrike">
+                        <a:solidFill>
+                          <a:srgbClr val="000000"/>
+                        </a:solidFill>
+                        <a:effectLst/>
+                        <a:latin typeface="Calibri" panose="020F0502020204030204" pitchFamily="34" charset="0"/>
+                      </a:endParaRPr>
+                    </a:p>
+                  </a:txBody>
+                  <a:tcPr marL="8868" marR="8868" marT="8868" marB="0" anchor="b"/>
+                </a:tc>
+                <a:extLst>
+                  <a:ext uri="{0D108BD9-81ED-4DB2-BD59-A6C34878D82A}">
+                    <a16:rowId xmlns:a16="http://schemas.microsoft.com/office/drawing/2014/main" val="2382999532"/>
+                  </a:ext>
+                </a:extLst>
+              </a:tr>
+              <a:tr h="208138">
+                <a:tc>
+                  <a:txBody>
+                    <a:bodyPr/>
+                    <a:lstStyle/>
+                    <a:p>
+                      <a:pPr algn="l" fontAlgn="b"/>
+                      <a:r>
+                        <a:rPr lang="en-US" sz="1100" u="none" strike="noStrike">
+                          <a:effectLst/>
+                        </a:rPr>
+                        <a:t>usa</a:t>
+                      </a:r>
+                      <a:endParaRPr lang="en-US" sz="1100" b="0" i="0" u="none" strike="noStrike">
+                        <a:solidFill>
+                          <a:srgbClr val="000000"/>
+                        </a:solidFill>
+                        <a:effectLst/>
+                        <a:latin typeface="Calibri" panose="020F0502020204030204" pitchFamily="34" charset="0"/>
+                      </a:endParaRPr>
+                    </a:p>
+                  </a:txBody>
+                  <a:tcPr marL="8868" marR="8868" marT="8868" marB="0" anchor="b"/>
+                </a:tc>
+                <a:tc>
+                  <a:txBody>
+                    <a:bodyPr/>
+                    <a:lstStyle/>
+                    <a:p>
+                      <a:pPr algn="r" fontAlgn="b"/>
+                      <a:r>
+                        <a:rPr lang="en-KG" sz="1100" u="none" strike="noStrike">
+                          <a:effectLst/>
+                        </a:rPr>
+                        <a:t>1</a:t>
+                      </a:r>
+                      <a:endParaRPr lang="en-KG" sz="1100" b="0" i="0" u="none" strike="noStrike">
+                        <a:solidFill>
+                          <a:srgbClr val="000000"/>
+                        </a:solidFill>
+                        <a:effectLst/>
+                        <a:latin typeface="Calibri" panose="020F0502020204030204" pitchFamily="34" charset="0"/>
+                      </a:endParaRPr>
+                    </a:p>
+                  </a:txBody>
+                  <a:tcPr marL="8868" marR="8868" marT="8868" marB="0" anchor="b"/>
+                </a:tc>
+                <a:tc>
+                  <a:txBody>
+                    <a:bodyPr/>
+                    <a:lstStyle/>
+                    <a:p>
+                      <a:pPr algn="r" fontAlgn="b"/>
+                      <a:r>
+                        <a:rPr lang="en-KG" sz="1100" u="none" strike="noStrike" dirty="0">
+                          <a:effectLst/>
+                        </a:rPr>
+                        <a:t>185</a:t>
+                      </a:r>
+                      <a:endParaRPr lang="en-KG" sz="1100" b="0" i="0" u="none" strike="noStrike" dirty="0">
+                        <a:solidFill>
+                          <a:srgbClr val="000000"/>
+                        </a:solidFill>
+                        <a:effectLst/>
+                        <a:latin typeface="Calibri" panose="020F0502020204030204" pitchFamily="34" charset="0"/>
+                      </a:endParaRPr>
+                    </a:p>
+                  </a:txBody>
+                  <a:tcPr marL="8868" marR="8868" marT="8868" marB="0" anchor="b"/>
+                </a:tc>
+                <a:tc>
+                  <a:txBody>
+                    <a:bodyPr/>
+                    <a:lstStyle/>
+                    <a:p>
+                      <a:pPr algn="r" fontAlgn="b"/>
+                      <a:r>
+                        <a:rPr lang="en-KG" sz="1100" u="none" strike="noStrike">
+                          <a:effectLst/>
+                        </a:rPr>
+                        <a:t>105</a:t>
+                      </a:r>
+                      <a:endParaRPr lang="en-KG" sz="1100" b="0" i="0" u="none" strike="noStrike">
+                        <a:solidFill>
+                          <a:srgbClr val="000000"/>
+                        </a:solidFill>
+                        <a:effectLst/>
+                        <a:latin typeface="Calibri" panose="020F0502020204030204" pitchFamily="34" charset="0"/>
+                      </a:endParaRPr>
+                    </a:p>
+                  </a:txBody>
+                  <a:tcPr marL="8868" marR="8868" marT="8868" marB="0" anchor="b"/>
+                </a:tc>
+                <a:tc>
+                  <a:txBody>
+                    <a:bodyPr/>
+                    <a:lstStyle/>
+                    <a:p>
+                      <a:pPr algn="r" fontAlgn="b"/>
+                      <a:r>
+                        <a:rPr lang="en-KG" sz="1100" u="none" strike="noStrike">
+                          <a:effectLst/>
+                        </a:rPr>
+                        <a:t>33</a:t>
+                      </a:r>
+                      <a:endParaRPr lang="en-KG" sz="1100" b="0" i="0" u="none" strike="noStrike">
+                        <a:solidFill>
+                          <a:srgbClr val="000000"/>
+                        </a:solidFill>
+                        <a:effectLst/>
+                        <a:latin typeface="Calibri" panose="020F0502020204030204" pitchFamily="34" charset="0"/>
+                      </a:endParaRPr>
+                    </a:p>
+                  </a:txBody>
+                  <a:tcPr marL="8868" marR="8868" marT="8868" marB="0" anchor="b"/>
+                </a:tc>
+                <a:tc>
+                  <a:txBody>
+                    <a:bodyPr/>
+                    <a:lstStyle/>
+                    <a:p>
+                      <a:pPr algn="l" fontAlgn="b"/>
+                      <a:r>
+                        <a:rPr lang="en-US" sz="1100" u="none" strike="noStrike">
+                          <a:effectLst/>
+                        </a:rPr>
+                        <a:t>m</a:t>
+                      </a:r>
+                      <a:endParaRPr lang="en-US" sz="1100" b="0" i="0" u="none" strike="noStrike">
+                        <a:solidFill>
+                          <a:srgbClr val="000000"/>
+                        </a:solidFill>
+                        <a:effectLst/>
+                        <a:latin typeface="Calibri" panose="020F0502020204030204" pitchFamily="34" charset="0"/>
+                      </a:endParaRPr>
+                    </a:p>
+                  </a:txBody>
+                  <a:tcPr marL="8868" marR="8868" marT="8868" marB="0" anchor="b"/>
+                </a:tc>
+                <a:extLst>
+                  <a:ext uri="{0D108BD9-81ED-4DB2-BD59-A6C34878D82A}">
+                    <a16:rowId xmlns:a16="http://schemas.microsoft.com/office/drawing/2014/main" val="512006046"/>
+                  </a:ext>
+                </a:extLst>
+              </a:tr>
+              <a:tr h="208138">
+                <a:tc>
+                  <a:txBody>
+                    <a:bodyPr/>
+                    <a:lstStyle/>
+                    <a:p>
+                      <a:pPr algn="l" fontAlgn="b"/>
+                      <a:r>
+                        <a:rPr lang="en-US" sz="1100" u="none" strike="noStrike">
+                          <a:effectLst/>
+                        </a:rPr>
+                        <a:t>usa</a:t>
+                      </a:r>
+                      <a:endParaRPr lang="en-US" sz="1100" b="0" i="0" u="none" strike="noStrike">
+                        <a:solidFill>
+                          <a:srgbClr val="000000"/>
+                        </a:solidFill>
+                        <a:effectLst/>
+                        <a:latin typeface="Calibri" panose="020F0502020204030204" pitchFamily="34" charset="0"/>
+                      </a:endParaRPr>
+                    </a:p>
+                  </a:txBody>
+                  <a:tcPr marL="8868" marR="8868" marT="8868" marB="0" anchor="b"/>
+                </a:tc>
+                <a:tc>
+                  <a:txBody>
+                    <a:bodyPr/>
+                    <a:lstStyle/>
+                    <a:p>
+                      <a:pPr algn="r" fontAlgn="b"/>
+                      <a:r>
+                        <a:rPr lang="en-KG" sz="1100" u="none" strike="noStrike">
+                          <a:effectLst/>
+                        </a:rPr>
+                        <a:t>1</a:t>
+                      </a:r>
+                      <a:endParaRPr lang="en-KG" sz="1100" b="0" i="0" u="none" strike="noStrike">
+                        <a:solidFill>
+                          <a:srgbClr val="000000"/>
+                        </a:solidFill>
+                        <a:effectLst/>
+                        <a:latin typeface="Calibri" panose="020F0502020204030204" pitchFamily="34" charset="0"/>
+                      </a:endParaRPr>
+                    </a:p>
+                  </a:txBody>
+                  <a:tcPr marL="8868" marR="8868" marT="8868" marB="0" anchor="b"/>
+                </a:tc>
+                <a:tc>
+                  <a:txBody>
+                    <a:bodyPr/>
+                    <a:lstStyle/>
+                    <a:p>
+                      <a:pPr algn="r" fontAlgn="b"/>
+                      <a:r>
+                        <a:rPr lang="en-KG" sz="1100" u="none" strike="noStrike">
+                          <a:effectLst/>
+                        </a:rPr>
+                        <a:t>165</a:t>
+                      </a:r>
+                      <a:endParaRPr lang="en-KG" sz="1100" b="0" i="0" u="none" strike="noStrike">
+                        <a:solidFill>
+                          <a:srgbClr val="000000"/>
+                        </a:solidFill>
+                        <a:effectLst/>
+                        <a:latin typeface="Calibri" panose="020F0502020204030204" pitchFamily="34" charset="0"/>
+                      </a:endParaRPr>
+                    </a:p>
+                  </a:txBody>
+                  <a:tcPr marL="8868" marR="8868" marT="8868" marB="0" anchor="b"/>
+                </a:tc>
+                <a:tc>
+                  <a:txBody>
+                    <a:bodyPr/>
+                    <a:lstStyle/>
+                    <a:p>
+                      <a:pPr algn="r" fontAlgn="b"/>
+                      <a:r>
+                        <a:rPr lang="en-KG" sz="1100" u="none" strike="noStrike">
+                          <a:effectLst/>
+                        </a:rPr>
+                        <a:t>55</a:t>
+                      </a:r>
+                      <a:endParaRPr lang="en-KG" sz="1100" b="0" i="0" u="none" strike="noStrike">
+                        <a:solidFill>
+                          <a:srgbClr val="000000"/>
+                        </a:solidFill>
+                        <a:effectLst/>
+                        <a:latin typeface="Calibri" panose="020F0502020204030204" pitchFamily="34" charset="0"/>
+                      </a:endParaRPr>
+                    </a:p>
+                  </a:txBody>
+                  <a:tcPr marL="8868" marR="8868" marT="8868" marB="0" anchor="b"/>
+                </a:tc>
+                <a:tc>
+                  <a:txBody>
+                    <a:bodyPr/>
+                    <a:lstStyle/>
+                    <a:p>
+                      <a:pPr algn="r" fontAlgn="b"/>
+                      <a:r>
+                        <a:rPr lang="en-KG" sz="1100" u="none" strike="noStrike">
+                          <a:effectLst/>
+                        </a:rPr>
+                        <a:t>27</a:t>
+                      </a:r>
+                      <a:endParaRPr lang="en-KG" sz="1100" b="0" i="0" u="none" strike="noStrike">
+                        <a:solidFill>
+                          <a:srgbClr val="000000"/>
+                        </a:solidFill>
+                        <a:effectLst/>
+                        <a:latin typeface="Calibri" panose="020F0502020204030204" pitchFamily="34" charset="0"/>
+                      </a:endParaRPr>
+                    </a:p>
+                  </a:txBody>
+                  <a:tcPr marL="8868" marR="8868" marT="8868" marB="0" anchor="b"/>
+                </a:tc>
+                <a:tc>
+                  <a:txBody>
+                    <a:bodyPr/>
+                    <a:lstStyle/>
+                    <a:p>
+                      <a:pPr algn="l" fontAlgn="b"/>
+                      <a:r>
+                        <a:rPr lang="en-US" sz="1100" u="none" strike="noStrike">
+                          <a:effectLst/>
+                        </a:rPr>
+                        <a:t>f</a:t>
+                      </a:r>
+                      <a:endParaRPr lang="en-US" sz="1100" b="0" i="0" u="none" strike="noStrike">
+                        <a:solidFill>
+                          <a:srgbClr val="000000"/>
+                        </a:solidFill>
+                        <a:effectLst/>
+                        <a:latin typeface="Calibri" panose="020F0502020204030204" pitchFamily="34" charset="0"/>
+                      </a:endParaRPr>
+                    </a:p>
+                  </a:txBody>
+                  <a:tcPr marL="8868" marR="8868" marT="8868" marB="0" anchor="b"/>
+                </a:tc>
+                <a:extLst>
+                  <a:ext uri="{0D108BD9-81ED-4DB2-BD59-A6C34878D82A}">
+                    <a16:rowId xmlns:a16="http://schemas.microsoft.com/office/drawing/2014/main" val="1961745673"/>
+                  </a:ext>
+                </a:extLst>
+              </a:tr>
+              <a:tr h="208138">
+                <a:tc>
+                  <a:txBody>
+                    <a:bodyPr/>
+                    <a:lstStyle/>
+                    <a:p>
+                      <a:pPr algn="l" fontAlgn="b"/>
+                      <a:r>
+                        <a:rPr lang="en-US" sz="1100" u="none" strike="noStrike">
+                          <a:effectLst/>
+                        </a:rPr>
+                        <a:t>usa</a:t>
+                      </a:r>
+                      <a:endParaRPr lang="en-US" sz="1100" b="0" i="0" u="none" strike="noStrike">
+                        <a:solidFill>
+                          <a:srgbClr val="000000"/>
+                        </a:solidFill>
+                        <a:effectLst/>
+                        <a:latin typeface="Calibri" panose="020F0502020204030204" pitchFamily="34" charset="0"/>
+                      </a:endParaRPr>
+                    </a:p>
+                  </a:txBody>
+                  <a:tcPr marL="8868" marR="8868" marT="8868" marB="0" anchor="b"/>
+                </a:tc>
+                <a:tc>
+                  <a:txBody>
+                    <a:bodyPr/>
+                    <a:lstStyle/>
+                    <a:p>
+                      <a:pPr algn="r" fontAlgn="b"/>
+                      <a:r>
+                        <a:rPr lang="en-KG" sz="1100" u="none" strike="noStrike">
+                          <a:effectLst/>
+                        </a:rPr>
+                        <a:t>1</a:t>
+                      </a:r>
+                      <a:endParaRPr lang="en-KG" sz="1100" b="0" i="0" u="none" strike="noStrike">
+                        <a:solidFill>
+                          <a:srgbClr val="000000"/>
+                        </a:solidFill>
+                        <a:effectLst/>
+                        <a:latin typeface="Calibri" panose="020F0502020204030204" pitchFamily="34" charset="0"/>
+                      </a:endParaRPr>
+                    </a:p>
+                  </a:txBody>
+                  <a:tcPr marL="8868" marR="8868" marT="8868" marB="0" anchor="b"/>
+                </a:tc>
+                <a:tc>
+                  <a:txBody>
+                    <a:bodyPr/>
+                    <a:lstStyle/>
+                    <a:p>
+                      <a:pPr algn="r" fontAlgn="b"/>
+                      <a:r>
+                        <a:rPr lang="en-KG" sz="1100" u="none" strike="noStrike">
+                          <a:effectLst/>
+                        </a:rPr>
+                        <a:t>155</a:t>
+                      </a:r>
+                      <a:endParaRPr lang="en-KG" sz="1100" b="0" i="0" u="none" strike="noStrike">
+                        <a:solidFill>
+                          <a:srgbClr val="000000"/>
+                        </a:solidFill>
+                        <a:effectLst/>
+                        <a:latin typeface="Calibri" panose="020F0502020204030204" pitchFamily="34" charset="0"/>
+                      </a:endParaRPr>
+                    </a:p>
+                  </a:txBody>
+                  <a:tcPr marL="8868" marR="8868" marT="8868" marB="0" anchor="b"/>
+                </a:tc>
+                <a:tc>
+                  <a:txBody>
+                    <a:bodyPr/>
+                    <a:lstStyle/>
+                    <a:p>
+                      <a:pPr algn="r" fontAlgn="b"/>
+                      <a:r>
+                        <a:rPr lang="en-KG" sz="1100" u="none" strike="noStrike">
+                          <a:effectLst/>
+                        </a:rPr>
+                        <a:t>50</a:t>
+                      </a:r>
+                      <a:endParaRPr lang="en-KG" sz="1100" b="0" i="0" u="none" strike="noStrike">
+                        <a:solidFill>
+                          <a:srgbClr val="000000"/>
+                        </a:solidFill>
+                        <a:effectLst/>
+                        <a:latin typeface="Calibri" panose="020F0502020204030204" pitchFamily="34" charset="0"/>
+                      </a:endParaRPr>
+                    </a:p>
+                  </a:txBody>
+                  <a:tcPr marL="8868" marR="8868" marT="8868" marB="0" anchor="b"/>
+                </a:tc>
+                <a:tc>
+                  <a:txBody>
+                    <a:bodyPr/>
+                    <a:lstStyle/>
+                    <a:p>
+                      <a:pPr algn="r" fontAlgn="b"/>
+                      <a:r>
+                        <a:rPr lang="en-KG" sz="1100" u="none" strike="noStrike">
+                          <a:effectLst/>
+                        </a:rPr>
+                        <a:t>44</a:t>
+                      </a:r>
+                      <a:endParaRPr lang="en-KG" sz="1100" b="0" i="0" u="none" strike="noStrike">
+                        <a:solidFill>
+                          <a:srgbClr val="000000"/>
+                        </a:solidFill>
+                        <a:effectLst/>
+                        <a:latin typeface="Calibri" panose="020F0502020204030204" pitchFamily="34" charset="0"/>
+                      </a:endParaRPr>
+                    </a:p>
+                  </a:txBody>
+                  <a:tcPr marL="8868" marR="8868" marT="8868" marB="0" anchor="b"/>
+                </a:tc>
+                <a:tc>
+                  <a:txBody>
+                    <a:bodyPr/>
+                    <a:lstStyle/>
+                    <a:p>
+                      <a:pPr algn="l" fontAlgn="b"/>
+                      <a:r>
+                        <a:rPr lang="en-US" sz="1100" u="none" strike="noStrike">
+                          <a:effectLst/>
+                        </a:rPr>
+                        <a:t>f</a:t>
+                      </a:r>
+                      <a:endParaRPr lang="en-US" sz="1100" b="0" i="0" u="none" strike="noStrike">
+                        <a:solidFill>
+                          <a:srgbClr val="000000"/>
+                        </a:solidFill>
+                        <a:effectLst/>
+                        <a:latin typeface="Calibri" panose="020F0502020204030204" pitchFamily="34" charset="0"/>
+                      </a:endParaRPr>
+                    </a:p>
+                  </a:txBody>
+                  <a:tcPr marL="8868" marR="8868" marT="8868" marB="0" anchor="b"/>
+                </a:tc>
+                <a:extLst>
+                  <a:ext uri="{0D108BD9-81ED-4DB2-BD59-A6C34878D82A}">
+                    <a16:rowId xmlns:a16="http://schemas.microsoft.com/office/drawing/2014/main" val="1518783402"/>
+                  </a:ext>
+                </a:extLst>
+              </a:tr>
+              <a:tr h="208138">
+                <a:tc>
+                  <a:txBody>
+                    <a:bodyPr/>
+                    <a:lstStyle/>
+                    <a:p>
+                      <a:pPr algn="l" fontAlgn="b"/>
+                      <a:r>
+                        <a:rPr lang="en-US" sz="1100" u="none" strike="noStrike">
+                          <a:effectLst/>
+                        </a:rPr>
+                        <a:t>usa</a:t>
+                      </a:r>
+                      <a:endParaRPr lang="en-US" sz="1100" b="0" i="0" u="none" strike="noStrike">
+                        <a:solidFill>
+                          <a:srgbClr val="000000"/>
+                        </a:solidFill>
+                        <a:effectLst/>
+                        <a:latin typeface="Calibri" panose="020F0502020204030204" pitchFamily="34" charset="0"/>
+                      </a:endParaRPr>
+                    </a:p>
+                  </a:txBody>
+                  <a:tcPr marL="8868" marR="8868" marT="8868" marB="0" anchor="b"/>
+                </a:tc>
+                <a:tc>
+                  <a:txBody>
+                    <a:bodyPr/>
+                    <a:lstStyle/>
+                    <a:p>
+                      <a:pPr algn="r" fontAlgn="b"/>
+                      <a:r>
+                        <a:rPr lang="en-KG" sz="1100" u="none" strike="noStrike" dirty="0">
+                          <a:effectLst/>
+                        </a:rPr>
+                        <a:t>1</a:t>
+                      </a:r>
+                      <a:endParaRPr lang="en-KG" sz="1100" b="0" i="0" u="none" strike="noStrike" dirty="0">
+                        <a:solidFill>
+                          <a:srgbClr val="000000"/>
+                        </a:solidFill>
+                        <a:effectLst/>
+                        <a:latin typeface="Calibri" panose="020F0502020204030204" pitchFamily="34" charset="0"/>
+                      </a:endParaRPr>
+                    </a:p>
+                  </a:txBody>
+                  <a:tcPr marL="8868" marR="8868" marT="8868" marB="0" anchor="b"/>
+                </a:tc>
+                <a:tc>
+                  <a:txBody>
+                    <a:bodyPr/>
+                    <a:lstStyle/>
+                    <a:p>
+                      <a:pPr algn="r" fontAlgn="b"/>
+                      <a:r>
+                        <a:rPr lang="en-KG" sz="1100" u="none" strike="noStrike">
+                          <a:effectLst/>
+                        </a:rPr>
+                        <a:t>160</a:t>
+                      </a:r>
+                      <a:endParaRPr lang="en-KG" sz="1100" b="0" i="0" u="none" strike="noStrike">
+                        <a:solidFill>
+                          <a:srgbClr val="000000"/>
+                        </a:solidFill>
+                        <a:effectLst/>
+                        <a:latin typeface="Calibri" panose="020F0502020204030204" pitchFamily="34" charset="0"/>
+                      </a:endParaRPr>
+                    </a:p>
+                  </a:txBody>
+                  <a:tcPr marL="8868" marR="8868" marT="8868" marB="0" anchor="b"/>
+                </a:tc>
+                <a:tc>
+                  <a:txBody>
+                    <a:bodyPr/>
+                    <a:lstStyle/>
+                    <a:p>
+                      <a:pPr algn="r" fontAlgn="b"/>
+                      <a:r>
+                        <a:rPr lang="en-KG" sz="1100" u="none" strike="noStrike">
+                          <a:effectLst/>
+                        </a:rPr>
+                        <a:t>58</a:t>
+                      </a:r>
+                      <a:endParaRPr lang="en-KG" sz="1100" b="0" i="0" u="none" strike="noStrike">
+                        <a:solidFill>
+                          <a:srgbClr val="000000"/>
+                        </a:solidFill>
+                        <a:effectLst/>
+                        <a:latin typeface="Calibri" panose="020F0502020204030204" pitchFamily="34" charset="0"/>
+                      </a:endParaRPr>
+                    </a:p>
+                  </a:txBody>
+                  <a:tcPr marL="8868" marR="8868" marT="8868" marB="0" anchor="b"/>
+                </a:tc>
+                <a:tc>
+                  <a:txBody>
+                    <a:bodyPr/>
+                    <a:lstStyle/>
+                    <a:p>
+                      <a:pPr algn="r" fontAlgn="b"/>
+                      <a:r>
+                        <a:rPr lang="en-KG" sz="1100" u="none" strike="noStrike">
+                          <a:effectLst/>
+                        </a:rPr>
+                        <a:t>39</a:t>
+                      </a:r>
+                      <a:endParaRPr lang="en-KG" sz="1100" b="0" i="0" u="none" strike="noStrike">
+                        <a:solidFill>
+                          <a:srgbClr val="000000"/>
+                        </a:solidFill>
+                        <a:effectLst/>
+                        <a:latin typeface="Calibri" panose="020F0502020204030204" pitchFamily="34" charset="0"/>
+                      </a:endParaRPr>
+                    </a:p>
+                  </a:txBody>
+                  <a:tcPr marL="8868" marR="8868" marT="8868" marB="0" anchor="b"/>
+                </a:tc>
+                <a:tc>
+                  <a:txBody>
+                    <a:bodyPr/>
+                    <a:lstStyle/>
+                    <a:p>
+                      <a:pPr algn="l" fontAlgn="b"/>
+                      <a:r>
+                        <a:rPr lang="en-US" sz="1100" u="none" strike="noStrike">
+                          <a:effectLst/>
+                        </a:rPr>
+                        <a:t>f</a:t>
+                      </a:r>
+                      <a:endParaRPr lang="en-US" sz="1100" b="0" i="0" u="none" strike="noStrike">
+                        <a:solidFill>
+                          <a:srgbClr val="000000"/>
+                        </a:solidFill>
+                        <a:effectLst/>
+                        <a:latin typeface="Calibri" panose="020F0502020204030204" pitchFamily="34" charset="0"/>
+                      </a:endParaRPr>
+                    </a:p>
+                  </a:txBody>
+                  <a:tcPr marL="8868" marR="8868" marT="8868" marB="0" anchor="b"/>
+                </a:tc>
+                <a:extLst>
+                  <a:ext uri="{0D108BD9-81ED-4DB2-BD59-A6C34878D82A}">
+                    <a16:rowId xmlns:a16="http://schemas.microsoft.com/office/drawing/2014/main" val="2227795793"/>
+                  </a:ext>
+                </a:extLst>
+              </a:tr>
+              <a:tr h="208138">
+                <a:tc>
+                  <a:txBody>
+                    <a:bodyPr/>
+                    <a:lstStyle/>
+                    <a:p>
+                      <a:pPr algn="l" fontAlgn="b"/>
+                      <a:r>
+                        <a:rPr lang="en-US" sz="1100" u="none" strike="noStrike">
+                          <a:effectLst/>
+                        </a:rPr>
+                        <a:t>usa</a:t>
+                      </a:r>
+                      <a:endParaRPr lang="en-US" sz="1100" b="0" i="0" u="none" strike="noStrike">
+                        <a:solidFill>
+                          <a:srgbClr val="000000"/>
+                        </a:solidFill>
+                        <a:effectLst/>
+                        <a:latin typeface="Calibri" panose="020F0502020204030204" pitchFamily="34" charset="0"/>
+                      </a:endParaRPr>
+                    </a:p>
+                  </a:txBody>
+                  <a:tcPr marL="8868" marR="8868" marT="8868" marB="0" anchor="b"/>
+                </a:tc>
+                <a:tc>
+                  <a:txBody>
+                    <a:bodyPr/>
+                    <a:lstStyle/>
+                    <a:p>
+                      <a:pPr algn="r" fontAlgn="b"/>
+                      <a:r>
+                        <a:rPr lang="en-KG" sz="1100" u="none" strike="noStrike">
+                          <a:effectLst/>
+                        </a:rPr>
+                        <a:t>1</a:t>
+                      </a:r>
+                      <a:endParaRPr lang="en-KG" sz="1100" b="0" i="0" u="none" strike="noStrike">
+                        <a:solidFill>
+                          <a:srgbClr val="000000"/>
+                        </a:solidFill>
+                        <a:effectLst/>
+                        <a:latin typeface="Calibri" panose="020F0502020204030204" pitchFamily="34" charset="0"/>
+                      </a:endParaRPr>
+                    </a:p>
+                  </a:txBody>
+                  <a:tcPr marL="8868" marR="8868" marT="8868" marB="0" anchor="b"/>
+                </a:tc>
+                <a:tc>
+                  <a:txBody>
+                    <a:bodyPr/>
+                    <a:lstStyle/>
+                    <a:p>
+                      <a:pPr algn="r" fontAlgn="b"/>
+                      <a:r>
+                        <a:rPr lang="en-KG" sz="1100" u="none" strike="noStrike">
+                          <a:effectLst/>
+                        </a:rPr>
+                        <a:t>162</a:t>
+                      </a:r>
+                      <a:endParaRPr lang="en-KG" sz="1100" b="0" i="0" u="none" strike="noStrike">
+                        <a:solidFill>
+                          <a:srgbClr val="000000"/>
+                        </a:solidFill>
+                        <a:effectLst/>
+                        <a:latin typeface="Calibri" panose="020F0502020204030204" pitchFamily="34" charset="0"/>
+                      </a:endParaRPr>
+                    </a:p>
+                  </a:txBody>
+                  <a:tcPr marL="8868" marR="8868" marT="8868" marB="0" anchor="b"/>
+                </a:tc>
+                <a:tc>
+                  <a:txBody>
+                    <a:bodyPr/>
+                    <a:lstStyle/>
+                    <a:p>
+                      <a:pPr algn="r" fontAlgn="b"/>
+                      <a:r>
+                        <a:rPr lang="en-KG" sz="1100" u="none" strike="noStrike">
+                          <a:effectLst/>
+                        </a:rPr>
+                        <a:t>59</a:t>
+                      </a:r>
+                      <a:endParaRPr lang="en-KG" sz="1100" b="0" i="0" u="none" strike="noStrike">
+                        <a:solidFill>
+                          <a:srgbClr val="000000"/>
+                        </a:solidFill>
+                        <a:effectLst/>
+                        <a:latin typeface="Calibri" panose="020F0502020204030204" pitchFamily="34" charset="0"/>
+                      </a:endParaRPr>
+                    </a:p>
+                  </a:txBody>
+                  <a:tcPr marL="8868" marR="8868" marT="8868" marB="0" anchor="b"/>
+                </a:tc>
+                <a:tc>
+                  <a:txBody>
+                    <a:bodyPr/>
+                    <a:lstStyle/>
+                    <a:p>
+                      <a:pPr algn="r" fontAlgn="b"/>
+                      <a:r>
+                        <a:rPr lang="en-KG" sz="1100" u="none" strike="noStrike">
+                          <a:effectLst/>
+                        </a:rPr>
+                        <a:t>41</a:t>
+                      </a:r>
+                      <a:endParaRPr lang="en-KG" sz="1100" b="0" i="0" u="none" strike="noStrike">
+                        <a:solidFill>
+                          <a:srgbClr val="000000"/>
+                        </a:solidFill>
+                        <a:effectLst/>
+                        <a:latin typeface="Calibri" panose="020F0502020204030204" pitchFamily="34" charset="0"/>
+                      </a:endParaRPr>
+                    </a:p>
+                  </a:txBody>
+                  <a:tcPr marL="8868" marR="8868" marT="8868" marB="0" anchor="b"/>
+                </a:tc>
+                <a:tc>
+                  <a:txBody>
+                    <a:bodyPr/>
+                    <a:lstStyle/>
+                    <a:p>
+                      <a:pPr algn="l" fontAlgn="b"/>
+                      <a:r>
+                        <a:rPr lang="en-US" sz="1100" u="none" strike="noStrike">
+                          <a:effectLst/>
+                        </a:rPr>
+                        <a:t>f</a:t>
+                      </a:r>
+                      <a:endParaRPr lang="en-US" sz="1100" b="0" i="0" u="none" strike="noStrike">
+                        <a:solidFill>
+                          <a:srgbClr val="000000"/>
+                        </a:solidFill>
+                        <a:effectLst/>
+                        <a:latin typeface="Calibri" panose="020F0502020204030204" pitchFamily="34" charset="0"/>
+                      </a:endParaRPr>
+                    </a:p>
+                  </a:txBody>
+                  <a:tcPr marL="8868" marR="8868" marT="8868" marB="0" anchor="b"/>
+                </a:tc>
+                <a:extLst>
+                  <a:ext uri="{0D108BD9-81ED-4DB2-BD59-A6C34878D82A}">
+                    <a16:rowId xmlns:a16="http://schemas.microsoft.com/office/drawing/2014/main" val="2606071272"/>
+                  </a:ext>
+                </a:extLst>
+              </a:tr>
+              <a:tr h="208138">
+                <a:tc>
+                  <a:txBody>
+                    <a:bodyPr/>
+                    <a:lstStyle/>
+                    <a:p>
+                      <a:pPr algn="l" fontAlgn="b"/>
+                      <a:r>
+                        <a:rPr lang="en-US" sz="1100" u="none" strike="noStrike">
+                          <a:effectLst/>
+                        </a:rPr>
+                        <a:t>usa</a:t>
+                      </a:r>
+                      <a:endParaRPr lang="en-US" sz="1100" b="0" i="0" u="none" strike="noStrike">
+                        <a:solidFill>
+                          <a:srgbClr val="000000"/>
+                        </a:solidFill>
+                        <a:effectLst/>
+                        <a:latin typeface="Calibri" panose="020F0502020204030204" pitchFamily="34" charset="0"/>
+                      </a:endParaRPr>
+                    </a:p>
+                  </a:txBody>
+                  <a:tcPr marL="8868" marR="8868" marT="8868" marB="0" anchor="b"/>
+                </a:tc>
+                <a:tc>
+                  <a:txBody>
+                    <a:bodyPr/>
+                    <a:lstStyle/>
+                    <a:p>
+                      <a:pPr algn="r" fontAlgn="b"/>
+                      <a:r>
+                        <a:rPr lang="en-KG" sz="1100" u="none" strike="noStrike">
+                          <a:effectLst/>
+                        </a:rPr>
+                        <a:t>1</a:t>
+                      </a:r>
+                      <a:endParaRPr lang="en-KG" sz="1100" b="0" i="0" u="none" strike="noStrike">
+                        <a:solidFill>
+                          <a:srgbClr val="000000"/>
+                        </a:solidFill>
+                        <a:effectLst/>
+                        <a:latin typeface="Calibri" panose="020F0502020204030204" pitchFamily="34" charset="0"/>
+                      </a:endParaRPr>
+                    </a:p>
+                  </a:txBody>
+                  <a:tcPr marL="8868" marR="8868" marT="8868" marB="0" anchor="b"/>
+                </a:tc>
+                <a:tc>
+                  <a:txBody>
+                    <a:bodyPr/>
+                    <a:lstStyle/>
+                    <a:p>
+                      <a:pPr algn="r" fontAlgn="b"/>
+                      <a:r>
+                        <a:rPr lang="en-KG" sz="1100" u="none" strike="noStrike">
+                          <a:effectLst/>
+                        </a:rPr>
+                        <a:t>167</a:t>
+                      </a:r>
+                      <a:endParaRPr lang="en-KG" sz="1100" b="0" i="0" u="none" strike="noStrike">
+                        <a:solidFill>
+                          <a:srgbClr val="000000"/>
+                        </a:solidFill>
+                        <a:effectLst/>
+                        <a:latin typeface="Calibri" panose="020F0502020204030204" pitchFamily="34" charset="0"/>
+                      </a:endParaRPr>
+                    </a:p>
+                  </a:txBody>
+                  <a:tcPr marL="8868" marR="8868" marT="8868" marB="0" anchor="b"/>
+                </a:tc>
+                <a:tc>
+                  <a:txBody>
+                    <a:bodyPr/>
+                    <a:lstStyle/>
+                    <a:p>
+                      <a:pPr algn="r" fontAlgn="b"/>
+                      <a:r>
+                        <a:rPr lang="en-KG" sz="1100" u="none" strike="noStrike">
+                          <a:effectLst/>
+                        </a:rPr>
+                        <a:t>62</a:t>
+                      </a:r>
+                      <a:endParaRPr lang="en-KG" sz="1100" b="0" i="0" u="none" strike="noStrike">
+                        <a:solidFill>
+                          <a:srgbClr val="000000"/>
+                        </a:solidFill>
+                        <a:effectLst/>
+                        <a:latin typeface="Calibri" panose="020F0502020204030204" pitchFamily="34" charset="0"/>
+                      </a:endParaRPr>
+                    </a:p>
+                  </a:txBody>
+                  <a:tcPr marL="8868" marR="8868" marT="8868" marB="0" anchor="b"/>
+                </a:tc>
+                <a:tc>
+                  <a:txBody>
+                    <a:bodyPr/>
+                    <a:lstStyle/>
+                    <a:p>
+                      <a:pPr algn="r" fontAlgn="b"/>
+                      <a:r>
+                        <a:rPr lang="en-KG" sz="1100" u="none" strike="noStrike">
+                          <a:effectLst/>
+                        </a:rPr>
+                        <a:t>55</a:t>
+                      </a:r>
+                      <a:endParaRPr lang="en-KG" sz="1100" b="0" i="0" u="none" strike="noStrike">
+                        <a:solidFill>
+                          <a:srgbClr val="000000"/>
+                        </a:solidFill>
+                        <a:effectLst/>
+                        <a:latin typeface="Calibri" panose="020F0502020204030204" pitchFamily="34" charset="0"/>
+                      </a:endParaRPr>
+                    </a:p>
+                  </a:txBody>
+                  <a:tcPr marL="8868" marR="8868" marT="8868" marB="0" anchor="b"/>
+                </a:tc>
+                <a:tc>
+                  <a:txBody>
+                    <a:bodyPr/>
+                    <a:lstStyle/>
+                    <a:p>
+                      <a:pPr algn="l" fontAlgn="b"/>
+                      <a:r>
+                        <a:rPr lang="en-US" sz="1100" u="none" strike="noStrike">
+                          <a:effectLst/>
+                        </a:rPr>
+                        <a:t>f</a:t>
+                      </a:r>
+                      <a:endParaRPr lang="en-US" sz="1100" b="0" i="0" u="none" strike="noStrike">
+                        <a:solidFill>
+                          <a:srgbClr val="000000"/>
+                        </a:solidFill>
+                        <a:effectLst/>
+                        <a:latin typeface="Calibri" panose="020F0502020204030204" pitchFamily="34" charset="0"/>
+                      </a:endParaRPr>
+                    </a:p>
+                  </a:txBody>
+                  <a:tcPr marL="8868" marR="8868" marT="8868" marB="0" anchor="b"/>
+                </a:tc>
+                <a:extLst>
+                  <a:ext uri="{0D108BD9-81ED-4DB2-BD59-A6C34878D82A}">
+                    <a16:rowId xmlns:a16="http://schemas.microsoft.com/office/drawing/2014/main" val="2496791770"/>
+                  </a:ext>
+                </a:extLst>
+              </a:tr>
+              <a:tr h="208138">
+                <a:tc>
+                  <a:txBody>
+                    <a:bodyPr/>
+                    <a:lstStyle/>
+                    <a:p>
+                      <a:pPr algn="l" fontAlgn="b"/>
+                      <a:r>
+                        <a:rPr lang="en-US" sz="1100" u="none" strike="noStrike">
+                          <a:effectLst/>
+                        </a:rPr>
+                        <a:t>uk</a:t>
+                      </a:r>
+                      <a:endParaRPr lang="en-US" sz="1100" b="0" i="0" u="none" strike="noStrike">
+                        <a:solidFill>
+                          <a:srgbClr val="000000"/>
+                        </a:solidFill>
+                        <a:effectLst/>
+                        <a:latin typeface="Calibri" panose="020F0502020204030204" pitchFamily="34" charset="0"/>
+                      </a:endParaRPr>
+                    </a:p>
+                  </a:txBody>
+                  <a:tcPr marL="8868" marR="8868" marT="8868" marB="0" anchor="b"/>
+                </a:tc>
+                <a:tc>
+                  <a:txBody>
+                    <a:bodyPr/>
+                    <a:lstStyle/>
+                    <a:p>
+                      <a:pPr algn="r" fontAlgn="b"/>
+                      <a:r>
+                        <a:rPr lang="en-KG" sz="1100" u="none" strike="noStrike" dirty="0">
+                          <a:effectLst/>
+                          <a:highlight>
+                            <a:srgbClr val="00FF00"/>
+                          </a:highlight>
+                        </a:rPr>
+                        <a:t>2</a:t>
+                      </a:r>
+                      <a:endParaRPr lang="en-KG" sz="1100" b="0" i="0" u="none" strike="noStrike" dirty="0">
+                        <a:solidFill>
+                          <a:srgbClr val="000000"/>
+                        </a:solidFill>
+                        <a:effectLst/>
+                        <a:highlight>
+                          <a:srgbClr val="00FF00"/>
+                        </a:highlight>
+                        <a:latin typeface="Calibri" panose="020F0502020204030204" pitchFamily="34" charset="0"/>
+                      </a:endParaRPr>
+                    </a:p>
+                  </a:txBody>
+                  <a:tcPr marL="8868" marR="8868" marT="8868" marB="0" anchor="b"/>
+                </a:tc>
+                <a:tc>
+                  <a:txBody>
+                    <a:bodyPr/>
+                    <a:lstStyle/>
+                    <a:p>
+                      <a:pPr algn="r" fontAlgn="b"/>
+                      <a:r>
+                        <a:rPr lang="en-KG" sz="1100" u="none" strike="noStrike">
+                          <a:effectLst/>
+                        </a:rPr>
+                        <a:t>174</a:t>
+                      </a:r>
+                      <a:endParaRPr lang="en-KG" sz="1100" b="0" i="0" u="none" strike="noStrike">
+                        <a:solidFill>
+                          <a:srgbClr val="000000"/>
+                        </a:solidFill>
+                        <a:effectLst/>
+                        <a:latin typeface="Calibri" panose="020F0502020204030204" pitchFamily="34" charset="0"/>
+                      </a:endParaRPr>
+                    </a:p>
+                  </a:txBody>
+                  <a:tcPr marL="8868" marR="8868" marT="8868" marB="0" anchor="b"/>
+                </a:tc>
+                <a:tc>
+                  <a:txBody>
+                    <a:bodyPr/>
+                    <a:lstStyle/>
+                    <a:p>
+                      <a:pPr algn="r" fontAlgn="b"/>
+                      <a:r>
+                        <a:rPr lang="en-KG" sz="1100" u="none" strike="noStrike">
+                          <a:effectLst/>
+                        </a:rPr>
+                        <a:t>70</a:t>
+                      </a:r>
+                      <a:endParaRPr lang="en-KG" sz="1100" b="0" i="0" u="none" strike="noStrike">
+                        <a:solidFill>
+                          <a:srgbClr val="000000"/>
+                        </a:solidFill>
+                        <a:effectLst/>
+                        <a:latin typeface="Calibri" panose="020F0502020204030204" pitchFamily="34" charset="0"/>
+                      </a:endParaRPr>
+                    </a:p>
+                  </a:txBody>
+                  <a:tcPr marL="8868" marR="8868" marT="8868" marB="0" anchor="b"/>
+                </a:tc>
+                <a:tc>
+                  <a:txBody>
+                    <a:bodyPr/>
+                    <a:lstStyle/>
+                    <a:p>
+                      <a:pPr algn="r" fontAlgn="b"/>
+                      <a:r>
+                        <a:rPr lang="en-KG" sz="1100" u="none" strike="noStrike">
+                          <a:effectLst/>
+                        </a:rPr>
+                        <a:t>47</a:t>
+                      </a:r>
+                      <a:endParaRPr lang="en-KG" sz="1100" b="0" i="0" u="none" strike="noStrike">
+                        <a:solidFill>
+                          <a:srgbClr val="000000"/>
+                        </a:solidFill>
+                        <a:effectLst/>
+                        <a:latin typeface="Calibri" panose="020F0502020204030204" pitchFamily="34" charset="0"/>
+                      </a:endParaRPr>
+                    </a:p>
+                  </a:txBody>
+                  <a:tcPr marL="8868" marR="8868" marT="8868" marB="0" anchor="b"/>
+                </a:tc>
+                <a:tc>
+                  <a:txBody>
+                    <a:bodyPr/>
+                    <a:lstStyle/>
+                    <a:p>
+                      <a:pPr algn="l" fontAlgn="b"/>
+                      <a:r>
+                        <a:rPr lang="en-US" sz="1100" u="none" strike="noStrike">
+                          <a:effectLst/>
+                        </a:rPr>
+                        <a:t>m</a:t>
+                      </a:r>
+                      <a:endParaRPr lang="en-US" sz="1100" b="0" i="0" u="none" strike="noStrike">
+                        <a:solidFill>
+                          <a:srgbClr val="000000"/>
+                        </a:solidFill>
+                        <a:effectLst/>
+                        <a:latin typeface="Calibri" panose="020F0502020204030204" pitchFamily="34" charset="0"/>
+                      </a:endParaRPr>
+                    </a:p>
+                  </a:txBody>
+                  <a:tcPr marL="8868" marR="8868" marT="8868" marB="0" anchor="b"/>
+                </a:tc>
+                <a:extLst>
+                  <a:ext uri="{0D108BD9-81ED-4DB2-BD59-A6C34878D82A}">
+                    <a16:rowId xmlns:a16="http://schemas.microsoft.com/office/drawing/2014/main" val="3557465256"/>
+                  </a:ext>
+                </a:extLst>
+              </a:tr>
+              <a:tr h="208138">
+                <a:tc>
+                  <a:txBody>
+                    <a:bodyPr/>
+                    <a:lstStyle/>
+                    <a:p>
+                      <a:pPr algn="l" fontAlgn="b"/>
+                      <a:r>
+                        <a:rPr lang="en-US" sz="1100" u="none" strike="noStrike">
+                          <a:effectLst/>
+                        </a:rPr>
+                        <a:t>uk</a:t>
+                      </a:r>
+                      <a:endParaRPr lang="en-US" sz="1100" b="0" i="0" u="none" strike="noStrike">
+                        <a:solidFill>
+                          <a:srgbClr val="000000"/>
+                        </a:solidFill>
+                        <a:effectLst/>
+                        <a:latin typeface="Calibri" panose="020F0502020204030204" pitchFamily="34" charset="0"/>
+                      </a:endParaRPr>
+                    </a:p>
+                  </a:txBody>
+                  <a:tcPr marL="8868" marR="8868" marT="8868" marB="0" anchor="b"/>
+                </a:tc>
+                <a:tc>
+                  <a:txBody>
+                    <a:bodyPr/>
+                    <a:lstStyle/>
+                    <a:p>
+                      <a:pPr algn="r" fontAlgn="b"/>
+                      <a:r>
+                        <a:rPr lang="en-KG" sz="1100" u="none" strike="noStrike" dirty="0">
+                          <a:effectLst/>
+                          <a:highlight>
+                            <a:srgbClr val="00FF00"/>
+                          </a:highlight>
+                        </a:rPr>
+                        <a:t>2</a:t>
+                      </a:r>
+                      <a:endParaRPr lang="en-KG" sz="1100" b="0" i="0" u="none" strike="noStrike" dirty="0">
+                        <a:solidFill>
+                          <a:srgbClr val="000000"/>
+                        </a:solidFill>
+                        <a:effectLst/>
+                        <a:highlight>
+                          <a:srgbClr val="00FF00"/>
+                        </a:highlight>
+                        <a:latin typeface="Calibri" panose="020F0502020204030204" pitchFamily="34" charset="0"/>
+                      </a:endParaRPr>
+                    </a:p>
+                  </a:txBody>
+                  <a:tcPr marL="8868" marR="8868" marT="8868" marB="0" anchor="b"/>
+                </a:tc>
+                <a:tc>
+                  <a:txBody>
+                    <a:bodyPr/>
+                    <a:lstStyle/>
+                    <a:p>
+                      <a:pPr algn="r" fontAlgn="b"/>
+                      <a:r>
+                        <a:rPr lang="en-KG" sz="1100" u="none" strike="noStrike">
+                          <a:effectLst/>
+                        </a:rPr>
+                        <a:t>193</a:t>
+                      </a:r>
+                      <a:endParaRPr lang="en-KG" sz="1100" b="0" i="0" u="none" strike="noStrike">
+                        <a:solidFill>
+                          <a:srgbClr val="000000"/>
+                        </a:solidFill>
+                        <a:effectLst/>
+                        <a:latin typeface="Calibri" panose="020F0502020204030204" pitchFamily="34" charset="0"/>
+                      </a:endParaRPr>
+                    </a:p>
+                  </a:txBody>
+                  <a:tcPr marL="8868" marR="8868" marT="8868" marB="0" anchor="b"/>
+                </a:tc>
+                <a:tc>
+                  <a:txBody>
+                    <a:bodyPr/>
+                    <a:lstStyle/>
+                    <a:p>
+                      <a:pPr algn="r" fontAlgn="b"/>
+                      <a:r>
+                        <a:rPr lang="en-KG" sz="1100" u="none" strike="noStrike">
+                          <a:effectLst/>
+                        </a:rPr>
+                        <a:t>90</a:t>
+                      </a:r>
+                      <a:endParaRPr lang="en-KG" sz="1100" b="0" i="0" u="none" strike="noStrike">
+                        <a:solidFill>
+                          <a:srgbClr val="000000"/>
+                        </a:solidFill>
+                        <a:effectLst/>
+                        <a:latin typeface="Calibri" panose="020F0502020204030204" pitchFamily="34" charset="0"/>
+                      </a:endParaRPr>
+                    </a:p>
+                  </a:txBody>
+                  <a:tcPr marL="8868" marR="8868" marT="8868" marB="0" anchor="b"/>
+                </a:tc>
+                <a:tc>
+                  <a:txBody>
+                    <a:bodyPr/>
+                    <a:lstStyle/>
+                    <a:p>
+                      <a:pPr algn="r" fontAlgn="b"/>
+                      <a:r>
+                        <a:rPr lang="en-KG" sz="1100" u="none" strike="noStrike">
+                          <a:effectLst/>
+                        </a:rPr>
+                        <a:t>23</a:t>
+                      </a:r>
+                      <a:endParaRPr lang="en-KG" sz="1100" b="0" i="0" u="none" strike="noStrike">
+                        <a:solidFill>
+                          <a:srgbClr val="000000"/>
+                        </a:solidFill>
+                        <a:effectLst/>
+                        <a:latin typeface="Calibri" panose="020F0502020204030204" pitchFamily="34" charset="0"/>
+                      </a:endParaRPr>
+                    </a:p>
+                  </a:txBody>
+                  <a:tcPr marL="8868" marR="8868" marT="8868" marB="0" anchor="b"/>
+                </a:tc>
+                <a:tc>
+                  <a:txBody>
+                    <a:bodyPr/>
+                    <a:lstStyle/>
+                    <a:p>
+                      <a:pPr algn="l" fontAlgn="b"/>
+                      <a:r>
+                        <a:rPr lang="en-US" sz="1100" u="none" strike="noStrike">
+                          <a:effectLst/>
+                        </a:rPr>
+                        <a:t>m</a:t>
+                      </a:r>
+                      <a:endParaRPr lang="en-US" sz="1100" b="0" i="0" u="none" strike="noStrike">
+                        <a:solidFill>
+                          <a:srgbClr val="000000"/>
+                        </a:solidFill>
+                        <a:effectLst/>
+                        <a:latin typeface="Calibri" panose="020F0502020204030204" pitchFamily="34" charset="0"/>
+                      </a:endParaRPr>
+                    </a:p>
+                  </a:txBody>
+                  <a:tcPr marL="8868" marR="8868" marT="8868" marB="0" anchor="b"/>
+                </a:tc>
+                <a:extLst>
+                  <a:ext uri="{0D108BD9-81ED-4DB2-BD59-A6C34878D82A}">
+                    <a16:rowId xmlns:a16="http://schemas.microsoft.com/office/drawing/2014/main" val="786802922"/>
+                  </a:ext>
+                </a:extLst>
+              </a:tr>
+              <a:tr h="208138">
+                <a:tc>
+                  <a:txBody>
+                    <a:bodyPr/>
+                    <a:lstStyle/>
+                    <a:p>
+                      <a:pPr algn="l" fontAlgn="b"/>
+                      <a:r>
+                        <a:rPr lang="en-US" sz="1100" u="none" strike="noStrike">
+                          <a:effectLst/>
+                        </a:rPr>
+                        <a:t>uk</a:t>
+                      </a:r>
+                      <a:endParaRPr lang="en-US" sz="1100" b="0" i="0" u="none" strike="noStrike">
+                        <a:solidFill>
+                          <a:srgbClr val="000000"/>
+                        </a:solidFill>
+                        <a:effectLst/>
+                        <a:latin typeface="Calibri" panose="020F0502020204030204" pitchFamily="34" charset="0"/>
+                      </a:endParaRPr>
+                    </a:p>
+                  </a:txBody>
+                  <a:tcPr marL="8868" marR="8868" marT="8868" marB="0" anchor="b"/>
+                </a:tc>
+                <a:tc>
+                  <a:txBody>
+                    <a:bodyPr/>
+                    <a:lstStyle/>
+                    <a:p>
+                      <a:pPr algn="r" fontAlgn="b"/>
+                      <a:r>
+                        <a:rPr lang="en-KG" sz="1100" u="none" strike="noStrike" dirty="0">
+                          <a:effectLst/>
+                          <a:highlight>
+                            <a:srgbClr val="00FF00"/>
+                          </a:highlight>
+                        </a:rPr>
+                        <a:t>2</a:t>
+                      </a:r>
+                      <a:endParaRPr lang="en-KG" sz="1100" b="0" i="0" u="none" strike="noStrike" dirty="0">
+                        <a:solidFill>
+                          <a:srgbClr val="000000"/>
+                        </a:solidFill>
+                        <a:effectLst/>
+                        <a:highlight>
+                          <a:srgbClr val="00FF00"/>
+                        </a:highlight>
+                        <a:latin typeface="Calibri" panose="020F0502020204030204" pitchFamily="34" charset="0"/>
+                      </a:endParaRPr>
+                    </a:p>
+                  </a:txBody>
+                  <a:tcPr marL="8868" marR="8868" marT="8868" marB="0" anchor="b"/>
+                </a:tc>
+                <a:tc>
+                  <a:txBody>
+                    <a:bodyPr/>
+                    <a:lstStyle/>
+                    <a:p>
+                      <a:pPr algn="r" fontAlgn="b"/>
+                      <a:r>
+                        <a:rPr lang="en-KG" sz="1100" u="none" strike="noStrike">
+                          <a:effectLst/>
+                        </a:rPr>
+                        <a:t>187</a:t>
+                      </a:r>
+                      <a:endParaRPr lang="en-KG" sz="1100" b="0" i="0" u="none" strike="noStrike">
+                        <a:solidFill>
+                          <a:srgbClr val="000000"/>
+                        </a:solidFill>
+                        <a:effectLst/>
+                        <a:latin typeface="Calibri" panose="020F0502020204030204" pitchFamily="34" charset="0"/>
+                      </a:endParaRPr>
+                    </a:p>
+                  </a:txBody>
+                  <a:tcPr marL="8868" marR="8868" marT="8868" marB="0" anchor="b"/>
+                </a:tc>
+                <a:tc>
+                  <a:txBody>
+                    <a:bodyPr/>
+                    <a:lstStyle/>
+                    <a:p>
+                      <a:pPr algn="r" fontAlgn="b"/>
+                      <a:r>
+                        <a:rPr lang="en-KG" sz="1100" u="none" strike="noStrike">
+                          <a:effectLst/>
+                        </a:rPr>
+                        <a:t>80</a:t>
+                      </a:r>
+                      <a:endParaRPr lang="en-KG" sz="1100" b="0" i="0" u="none" strike="noStrike">
+                        <a:solidFill>
+                          <a:srgbClr val="000000"/>
+                        </a:solidFill>
+                        <a:effectLst/>
+                        <a:latin typeface="Calibri" panose="020F0502020204030204" pitchFamily="34" charset="0"/>
+                      </a:endParaRPr>
+                    </a:p>
+                  </a:txBody>
+                  <a:tcPr marL="8868" marR="8868" marT="8868" marB="0" anchor="b"/>
+                </a:tc>
+                <a:tc>
+                  <a:txBody>
+                    <a:bodyPr/>
+                    <a:lstStyle/>
+                    <a:p>
+                      <a:pPr algn="r" fontAlgn="b"/>
+                      <a:r>
+                        <a:rPr lang="en-KG" sz="1100" u="none" strike="noStrike">
+                          <a:effectLst/>
+                        </a:rPr>
+                        <a:t>27</a:t>
+                      </a:r>
+                      <a:endParaRPr lang="en-KG" sz="1100" b="0" i="0" u="none" strike="noStrike">
+                        <a:solidFill>
+                          <a:srgbClr val="000000"/>
+                        </a:solidFill>
+                        <a:effectLst/>
+                        <a:latin typeface="Calibri" panose="020F0502020204030204" pitchFamily="34" charset="0"/>
+                      </a:endParaRPr>
+                    </a:p>
+                  </a:txBody>
+                  <a:tcPr marL="8868" marR="8868" marT="8868" marB="0" anchor="b"/>
+                </a:tc>
+                <a:tc>
+                  <a:txBody>
+                    <a:bodyPr/>
+                    <a:lstStyle/>
+                    <a:p>
+                      <a:pPr algn="l" fontAlgn="b"/>
+                      <a:r>
+                        <a:rPr lang="en-US" sz="1100" u="none" strike="noStrike">
+                          <a:effectLst/>
+                        </a:rPr>
+                        <a:t>m</a:t>
+                      </a:r>
+                      <a:endParaRPr lang="en-US" sz="1100" b="0" i="0" u="none" strike="noStrike">
+                        <a:solidFill>
+                          <a:srgbClr val="000000"/>
+                        </a:solidFill>
+                        <a:effectLst/>
+                        <a:latin typeface="Calibri" panose="020F0502020204030204" pitchFamily="34" charset="0"/>
+                      </a:endParaRPr>
+                    </a:p>
+                  </a:txBody>
+                  <a:tcPr marL="8868" marR="8868" marT="8868" marB="0" anchor="b"/>
+                </a:tc>
+                <a:extLst>
+                  <a:ext uri="{0D108BD9-81ED-4DB2-BD59-A6C34878D82A}">
+                    <a16:rowId xmlns:a16="http://schemas.microsoft.com/office/drawing/2014/main" val="2701785041"/>
+                  </a:ext>
+                </a:extLst>
+              </a:tr>
+              <a:tr h="208138">
+                <a:tc>
+                  <a:txBody>
+                    <a:bodyPr/>
+                    <a:lstStyle/>
+                    <a:p>
+                      <a:pPr algn="l" fontAlgn="b"/>
+                      <a:r>
+                        <a:rPr lang="en-US" sz="1100" u="none" strike="noStrike">
+                          <a:effectLst/>
+                        </a:rPr>
+                        <a:t>uk</a:t>
+                      </a:r>
+                      <a:endParaRPr lang="en-US" sz="1100" b="0" i="0" u="none" strike="noStrike">
+                        <a:solidFill>
+                          <a:srgbClr val="000000"/>
+                        </a:solidFill>
+                        <a:effectLst/>
+                        <a:latin typeface="Calibri" panose="020F0502020204030204" pitchFamily="34" charset="0"/>
+                      </a:endParaRPr>
+                    </a:p>
+                  </a:txBody>
+                  <a:tcPr marL="8868" marR="8868" marT="8868" marB="0" anchor="b"/>
+                </a:tc>
+                <a:tc>
+                  <a:txBody>
+                    <a:bodyPr/>
+                    <a:lstStyle/>
+                    <a:p>
+                      <a:pPr algn="r" fontAlgn="b"/>
+                      <a:r>
+                        <a:rPr lang="en-KG" sz="1100" u="none" strike="noStrike" dirty="0">
+                          <a:effectLst/>
+                          <a:highlight>
+                            <a:srgbClr val="00FF00"/>
+                          </a:highlight>
+                        </a:rPr>
+                        <a:t>2</a:t>
+                      </a:r>
+                      <a:endParaRPr lang="en-KG" sz="1100" b="0" i="0" u="none" strike="noStrike" dirty="0">
+                        <a:solidFill>
+                          <a:srgbClr val="000000"/>
+                        </a:solidFill>
+                        <a:effectLst/>
+                        <a:highlight>
+                          <a:srgbClr val="00FF00"/>
+                        </a:highlight>
+                        <a:latin typeface="Calibri" panose="020F0502020204030204" pitchFamily="34" charset="0"/>
+                      </a:endParaRPr>
+                    </a:p>
+                  </a:txBody>
+                  <a:tcPr marL="8868" marR="8868" marT="8868" marB="0" anchor="b"/>
+                </a:tc>
+                <a:tc>
+                  <a:txBody>
+                    <a:bodyPr/>
+                    <a:lstStyle/>
+                    <a:p>
+                      <a:pPr algn="r" fontAlgn="b"/>
+                      <a:r>
+                        <a:rPr lang="en-KG" sz="1100" u="none" strike="noStrike">
+                          <a:effectLst/>
+                        </a:rPr>
+                        <a:t>183</a:t>
+                      </a:r>
+                      <a:endParaRPr lang="en-KG" sz="1100" b="0" i="0" u="none" strike="noStrike">
+                        <a:solidFill>
+                          <a:srgbClr val="000000"/>
+                        </a:solidFill>
+                        <a:effectLst/>
+                        <a:latin typeface="Calibri" panose="020F0502020204030204" pitchFamily="34" charset="0"/>
+                      </a:endParaRPr>
+                    </a:p>
+                  </a:txBody>
+                  <a:tcPr marL="8868" marR="8868" marT="8868" marB="0" anchor="b"/>
+                </a:tc>
+                <a:tc>
+                  <a:txBody>
+                    <a:bodyPr/>
+                    <a:lstStyle/>
+                    <a:p>
+                      <a:pPr algn="r" fontAlgn="b"/>
+                      <a:r>
+                        <a:rPr lang="en-KG" sz="1100" u="none" strike="noStrike">
+                          <a:effectLst/>
+                        </a:rPr>
+                        <a:t>88</a:t>
+                      </a:r>
+                      <a:endParaRPr lang="en-KG" sz="1100" b="0" i="0" u="none" strike="noStrike">
+                        <a:solidFill>
+                          <a:srgbClr val="000000"/>
+                        </a:solidFill>
+                        <a:effectLst/>
+                        <a:latin typeface="Calibri" panose="020F0502020204030204" pitchFamily="34" charset="0"/>
+                      </a:endParaRPr>
+                    </a:p>
+                  </a:txBody>
+                  <a:tcPr marL="8868" marR="8868" marT="8868" marB="0" anchor="b"/>
+                </a:tc>
+                <a:tc>
+                  <a:txBody>
+                    <a:bodyPr/>
+                    <a:lstStyle/>
+                    <a:p>
+                      <a:pPr algn="r" fontAlgn="b"/>
+                      <a:r>
+                        <a:rPr lang="en-KG" sz="1100" u="none" strike="noStrike">
+                          <a:effectLst/>
+                        </a:rPr>
+                        <a:t>28</a:t>
+                      </a:r>
+                      <a:endParaRPr lang="en-KG" sz="1100" b="0" i="0" u="none" strike="noStrike">
+                        <a:solidFill>
+                          <a:srgbClr val="000000"/>
+                        </a:solidFill>
+                        <a:effectLst/>
+                        <a:latin typeface="Calibri" panose="020F0502020204030204" pitchFamily="34" charset="0"/>
+                      </a:endParaRPr>
+                    </a:p>
+                  </a:txBody>
+                  <a:tcPr marL="8868" marR="8868" marT="8868" marB="0" anchor="b"/>
+                </a:tc>
+                <a:tc>
+                  <a:txBody>
+                    <a:bodyPr/>
+                    <a:lstStyle/>
+                    <a:p>
+                      <a:pPr algn="l" fontAlgn="b"/>
+                      <a:r>
+                        <a:rPr lang="en-US" sz="1100" u="none" strike="noStrike">
+                          <a:effectLst/>
+                        </a:rPr>
+                        <a:t>m</a:t>
+                      </a:r>
+                      <a:endParaRPr lang="en-US" sz="1100" b="0" i="0" u="none" strike="noStrike">
+                        <a:solidFill>
+                          <a:srgbClr val="000000"/>
+                        </a:solidFill>
+                        <a:effectLst/>
+                        <a:latin typeface="Calibri" panose="020F0502020204030204" pitchFamily="34" charset="0"/>
+                      </a:endParaRPr>
+                    </a:p>
+                  </a:txBody>
+                  <a:tcPr marL="8868" marR="8868" marT="8868" marB="0" anchor="b"/>
+                </a:tc>
+                <a:extLst>
+                  <a:ext uri="{0D108BD9-81ED-4DB2-BD59-A6C34878D82A}">
+                    <a16:rowId xmlns:a16="http://schemas.microsoft.com/office/drawing/2014/main" val="2503884523"/>
+                  </a:ext>
+                </a:extLst>
+              </a:tr>
+              <a:tr h="208138">
+                <a:tc>
+                  <a:txBody>
+                    <a:bodyPr/>
+                    <a:lstStyle/>
+                    <a:p>
+                      <a:pPr algn="l" fontAlgn="b"/>
+                      <a:r>
+                        <a:rPr lang="en-US" sz="1100" u="none" strike="noStrike">
+                          <a:effectLst/>
+                        </a:rPr>
+                        <a:t>uk</a:t>
+                      </a:r>
+                      <a:endParaRPr lang="en-US" sz="1100" b="0" i="0" u="none" strike="noStrike">
+                        <a:solidFill>
+                          <a:srgbClr val="000000"/>
+                        </a:solidFill>
+                        <a:effectLst/>
+                        <a:latin typeface="Calibri" panose="020F0502020204030204" pitchFamily="34" charset="0"/>
+                      </a:endParaRPr>
+                    </a:p>
+                  </a:txBody>
+                  <a:tcPr marL="8868" marR="8868" marT="8868" marB="0" anchor="b"/>
+                </a:tc>
+                <a:tc>
+                  <a:txBody>
+                    <a:bodyPr/>
+                    <a:lstStyle/>
+                    <a:p>
+                      <a:pPr algn="r" fontAlgn="b"/>
+                      <a:r>
+                        <a:rPr lang="en-KG" sz="1100" u="none" strike="noStrike" dirty="0">
+                          <a:effectLst/>
+                          <a:highlight>
+                            <a:srgbClr val="00FF00"/>
+                          </a:highlight>
+                        </a:rPr>
+                        <a:t>2</a:t>
+                      </a:r>
+                      <a:endParaRPr lang="en-KG" sz="1100" b="0" i="0" u="none" strike="noStrike" dirty="0">
+                        <a:solidFill>
+                          <a:srgbClr val="000000"/>
+                        </a:solidFill>
+                        <a:effectLst/>
+                        <a:highlight>
+                          <a:srgbClr val="00FF00"/>
+                        </a:highlight>
+                        <a:latin typeface="Calibri" panose="020F0502020204030204" pitchFamily="34" charset="0"/>
+                      </a:endParaRPr>
+                    </a:p>
+                  </a:txBody>
+                  <a:tcPr marL="8868" marR="8868" marT="8868" marB="0" anchor="b"/>
+                </a:tc>
+                <a:tc>
+                  <a:txBody>
+                    <a:bodyPr/>
+                    <a:lstStyle/>
+                    <a:p>
+                      <a:pPr algn="r" fontAlgn="b"/>
+                      <a:r>
+                        <a:rPr lang="en-KG" sz="1100" u="none" strike="noStrike">
+                          <a:effectLst/>
+                        </a:rPr>
+                        <a:t>159</a:t>
+                      </a:r>
+                      <a:endParaRPr lang="en-KG" sz="1100" b="0" i="0" u="none" strike="noStrike">
+                        <a:solidFill>
+                          <a:srgbClr val="000000"/>
+                        </a:solidFill>
+                        <a:effectLst/>
+                        <a:latin typeface="Calibri" panose="020F0502020204030204" pitchFamily="34" charset="0"/>
+                      </a:endParaRPr>
+                    </a:p>
+                  </a:txBody>
+                  <a:tcPr marL="8868" marR="8868" marT="8868" marB="0" anchor="b"/>
+                </a:tc>
+                <a:tc>
+                  <a:txBody>
+                    <a:bodyPr/>
+                    <a:lstStyle/>
+                    <a:p>
+                      <a:pPr algn="r" fontAlgn="b"/>
+                      <a:r>
+                        <a:rPr lang="en-KG" sz="1100" u="none" strike="noStrike">
+                          <a:effectLst/>
+                        </a:rPr>
+                        <a:t>40</a:t>
+                      </a:r>
+                      <a:endParaRPr lang="en-KG" sz="1100" b="0" i="0" u="none" strike="noStrike">
+                        <a:solidFill>
+                          <a:srgbClr val="000000"/>
+                        </a:solidFill>
+                        <a:effectLst/>
+                        <a:latin typeface="Calibri" panose="020F0502020204030204" pitchFamily="34" charset="0"/>
+                      </a:endParaRPr>
+                    </a:p>
+                  </a:txBody>
+                  <a:tcPr marL="8868" marR="8868" marT="8868" marB="0" anchor="b"/>
+                </a:tc>
+                <a:tc>
+                  <a:txBody>
+                    <a:bodyPr/>
+                    <a:lstStyle/>
+                    <a:p>
+                      <a:pPr algn="r" fontAlgn="b"/>
+                      <a:r>
+                        <a:rPr lang="en-KG" sz="1100" u="none" strike="noStrike">
+                          <a:effectLst/>
+                        </a:rPr>
+                        <a:t>29</a:t>
+                      </a:r>
+                      <a:endParaRPr lang="en-KG" sz="1100" b="0" i="0" u="none" strike="noStrike">
+                        <a:solidFill>
+                          <a:srgbClr val="000000"/>
+                        </a:solidFill>
+                        <a:effectLst/>
+                        <a:latin typeface="Calibri" panose="020F0502020204030204" pitchFamily="34" charset="0"/>
+                      </a:endParaRPr>
+                    </a:p>
+                  </a:txBody>
+                  <a:tcPr marL="8868" marR="8868" marT="8868" marB="0" anchor="b"/>
+                </a:tc>
+                <a:tc>
+                  <a:txBody>
+                    <a:bodyPr/>
+                    <a:lstStyle/>
+                    <a:p>
+                      <a:pPr algn="l" fontAlgn="b"/>
+                      <a:r>
+                        <a:rPr lang="en-US" sz="1100" u="none" strike="noStrike">
+                          <a:effectLst/>
+                        </a:rPr>
+                        <a:t>f</a:t>
+                      </a:r>
+                      <a:endParaRPr lang="en-US" sz="1100" b="0" i="0" u="none" strike="noStrike">
+                        <a:solidFill>
+                          <a:srgbClr val="000000"/>
+                        </a:solidFill>
+                        <a:effectLst/>
+                        <a:latin typeface="Calibri" panose="020F0502020204030204" pitchFamily="34" charset="0"/>
+                      </a:endParaRPr>
+                    </a:p>
+                  </a:txBody>
+                  <a:tcPr marL="8868" marR="8868" marT="8868" marB="0" anchor="b"/>
+                </a:tc>
+                <a:extLst>
+                  <a:ext uri="{0D108BD9-81ED-4DB2-BD59-A6C34878D82A}">
+                    <a16:rowId xmlns:a16="http://schemas.microsoft.com/office/drawing/2014/main" val="3921896425"/>
+                  </a:ext>
+                </a:extLst>
+              </a:tr>
+              <a:tr h="208138">
+                <a:tc>
+                  <a:txBody>
+                    <a:bodyPr/>
+                    <a:lstStyle/>
+                    <a:p>
+                      <a:pPr algn="l" fontAlgn="b"/>
+                      <a:r>
+                        <a:rPr lang="en-US" sz="1100" u="none" strike="noStrike">
+                          <a:effectLst/>
+                        </a:rPr>
+                        <a:t>uk</a:t>
+                      </a:r>
+                      <a:endParaRPr lang="en-US" sz="1100" b="0" i="0" u="none" strike="noStrike">
+                        <a:solidFill>
+                          <a:srgbClr val="000000"/>
+                        </a:solidFill>
+                        <a:effectLst/>
+                        <a:latin typeface="Calibri" panose="020F0502020204030204" pitchFamily="34" charset="0"/>
+                      </a:endParaRPr>
+                    </a:p>
+                  </a:txBody>
+                  <a:tcPr marL="8868" marR="8868" marT="8868" marB="0" anchor="b"/>
+                </a:tc>
+                <a:tc>
+                  <a:txBody>
+                    <a:bodyPr/>
+                    <a:lstStyle/>
+                    <a:p>
+                      <a:pPr algn="r" fontAlgn="b"/>
+                      <a:r>
+                        <a:rPr lang="en-KG" sz="1100" u="none" strike="noStrike" dirty="0">
+                          <a:effectLst/>
+                          <a:highlight>
+                            <a:srgbClr val="00FF00"/>
+                          </a:highlight>
+                        </a:rPr>
+                        <a:t>2</a:t>
+                      </a:r>
+                      <a:endParaRPr lang="en-KG" sz="1100" b="0" i="0" u="none" strike="noStrike" dirty="0">
+                        <a:solidFill>
+                          <a:srgbClr val="000000"/>
+                        </a:solidFill>
+                        <a:effectLst/>
+                        <a:highlight>
+                          <a:srgbClr val="00FF00"/>
+                        </a:highlight>
+                        <a:latin typeface="Calibri" panose="020F0502020204030204" pitchFamily="34" charset="0"/>
+                      </a:endParaRPr>
+                    </a:p>
+                  </a:txBody>
+                  <a:tcPr marL="8868" marR="8868" marT="8868" marB="0" anchor="b"/>
+                </a:tc>
+                <a:tc>
+                  <a:txBody>
+                    <a:bodyPr/>
+                    <a:lstStyle/>
+                    <a:p>
+                      <a:pPr algn="r" fontAlgn="b"/>
+                      <a:r>
+                        <a:rPr lang="en-KG" sz="1100" u="none" strike="noStrike">
+                          <a:effectLst/>
+                        </a:rPr>
+                        <a:t>164</a:t>
+                      </a:r>
+                      <a:endParaRPr lang="en-KG" sz="1100" b="0" i="0" u="none" strike="noStrike">
+                        <a:solidFill>
+                          <a:srgbClr val="000000"/>
+                        </a:solidFill>
+                        <a:effectLst/>
+                        <a:latin typeface="Calibri" panose="020F0502020204030204" pitchFamily="34" charset="0"/>
+                      </a:endParaRPr>
+                    </a:p>
+                  </a:txBody>
+                  <a:tcPr marL="8868" marR="8868" marT="8868" marB="0" anchor="b"/>
+                </a:tc>
+                <a:tc>
+                  <a:txBody>
+                    <a:bodyPr/>
+                    <a:lstStyle/>
+                    <a:p>
+                      <a:pPr algn="r" fontAlgn="b"/>
+                      <a:r>
+                        <a:rPr lang="en-KG" sz="1100" u="none" strike="noStrike">
+                          <a:effectLst/>
+                        </a:rPr>
+                        <a:t>66</a:t>
+                      </a:r>
+                      <a:endParaRPr lang="en-KG" sz="1100" b="0" i="0" u="none" strike="noStrike">
+                        <a:solidFill>
+                          <a:srgbClr val="000000"/>
+                        </a:solidFill>
+                        <a:effectLst/>
+                        <a:latin typeface="Calibri" panose="020F0502020204030204" pitchFamily="34" charset="0"/>
+                      </a:endParaRPr>
+                    </a:p>
+                  </a:txBody>
+                  <a:tcPr marL="8868" marR="8868" marT="8868" marB="0" anchor="b"/>
+                </a:tc>
+                <a:tc>
+                  <a:txBody>
+                    <a:bodyPr/>
+                    <a:lstStyle/>
+                    <a:p>
+                      <a:pPr algn="r" fontAlgn="b"/>
+                      <a:r>
+                        <a:rPr lang="en-KG" sz="1100" u="none" strike="noStrike">
+                          <a:effectLst/>
+                        </a:rPr>
+                        <a:t>32</a:t>
+                      </a:r>
+                      <a:endParaRPr lang="en-KG" sz="1100" b="0" i="0" u="none" strike="noStrike">
+                        <a:solidFill>
+                          <a:srgbClr val="000000"/>
+                        </a:solidFill>
+                        <a:effectLst/>
+                        <a:latin typeface="Calibri" panose="020F0502020204030204" pitchFamily="34" charset="0"/>
+                      </a:endParaRPr>
+                    </a:p>
+                  </a:txBody>
+                  <a:tcPr marL="8868" marR="8868" marT="8868" marB="0" anchor="b"/>
+                </a:tc>
+                <a:tc>
+                  <a:txBody>
+                    <a:bodyPr/>
+                    <a:lstStyle/>
+                    <a:p>
+                      <a:pPr algn="l" fontAlgn="b"/>
+                      <a:r>
+                        <a:rPr lang="en-US" sz="1100" u="none" strike="noStrike">
+                          <a:effectLst/>
+                        </a:rPr>
+                        <a:t>f</a:t>
+                      </a:r>
+                      <a:endParaRPr lang="en-US" sz="1100" b="0" i="0" u="none" strike="noStrike">
+                        <a:solidFill>
+                          <a:srgbClr val="000000"/>
+                        </a:solidFill>
+                        <a:effectLst/>
+                        <a:latin typeface="Calibri" panose="020F0502020204030204" pitchFamily="34" charset="0"/>
+                      </a:endParaRPr>
+                    </a:p>
+                  </a:txBody>
+                  <a:tcPr marL="8868" marR="8868" marT="8868" marB="0" anchor="b"/>
+                </a:tc>
+                <a:extLst>
+                  <a:ext uri="{0D108BD9-81ED-4DB2-BD59-A6C34878D82A}">
+                    <a16:rowId xmlns:a16="http://schemas.microsoft.com/office/drawing/2014/main" val="2699336672"/>
+                  </a:ext>
+                </a:extLst>
+              </a:tr>
+              <a:tr h="208138">
+                <a:tc>
+                  <a:txBody>
+                    <a:bodyPr/>
+                    <a:lstStyle/>
+                    <a:p>
+                      <a:pPr algn="l" fontAlgn="b"/>
+                      <a:r>
+                        <a:rPr lang="en-US" sz="1100" u="none" strike="noStrike">
+                          <a:effectLst/>
+                        </a:rPr>
+                        <a:t>uk</a:t>
+                      </a:r>
+                      <a:endParaRPr lang="en-US" sz="1100" b="0" i="0" u="none" strike="noStrike">
+                        <a:solidFill>
+                          <a:srgbClr val="000000"/>
+                        </a:solidFill>
+                        <a:effectLst/>
+                        <a:latin typeface="Calibri" panose="020F0502020204030204" pitchFamily="34" charset="0"/>
+                      </a:endParaRPr>
+                    </a:p>
+                  </a:txBody>
+                  <a:tcPr marL="8868" marR="8868" marT="8868" marB="0" anchor="b"/>
+                </a:tc>
+                <a:tc>
+                  <a:txBody>
+                    <a:bodyPr/>
+                    <a:lstStyle/>
+                    <a:p>
+                      <a:pPr algn="r" fontAlgn="b"/>
+                      <a:r>
+                        <a:rPr lang="en-KG" sz="1100" u="none" strike="noStrike" dirty="0">
+                          <a:effectLst/>
+                          <a:highlight>
+                            <a:srgbClr val="00FF00"/>
+                          </a:highlight>
+                        </a:rPr>
+                        <a:t>2</a:t>
+                      </a:r>
+                      <a:endParaRPr lang="en-KG" sz="1100" b="0" i="0" u="none" strike="noStrike" dirty="0">
+                        <a:solidFill>
+                          <a:srgbClr val="000000"/>
+                        </a:solidFill>
+                        <a:effectLst/>
+                        <a:highlight>
+                          <a:srgbClr val="00FF00"/>
+                        </a:highlight>
+                        <a:latin typeface="Calibri" panose="020F0502020204030204" pitchFamily="34" charset="0"/>
+                      </a:endParaRPr>
+                    </a:p>
+                  </a:txBody>
+                  <a:tcPr marL="8868" marR="8868" marT="8868" marB="0" anchor="b"/>
+                </a:tc>
+                <a:tc>
+                  <a:txBody>
+                    <a:bodyPr/>
+                    <a:lstStyle/>
+                    <a:p>
+                      <a:pPr algn="r" fontAlgn="b"/>
+                      <a:r>
+                        <a:rPr lang="en-KG" sz="1100" u="none" strike="noStrike">
+                          <a:effectLst/>
+                        </a:rPr>
+                        <a:t>166</a:t>
+                      </a:r>
+                      <a:endParaRPr lang="en-KG" sz="1100" b="0" i="0" u="none" strike="noStrike">
+                        <a:solidFill>
+                          <a:srgbClr val="000000"/>
+                        </a:solidFill>
+                        <a:effectLst/>
+                        <a:latin typeface="Calibri" panose="020F0502020204030204" pitchFamily="34" charset="0"/>
+                      </a:endParaRPr>
+                    </a:p>
+                  </a:txBody>
+                  <a:tcPr marL="8868" marR="8868" marT="8868" marB="0" anchor="b"/>
+                </a:tc>
+                <a:tc>
+                  <a:txBody>
+                    <a:bodyPr/>
+                    <a:lstStyle/>
+                    <a:p>
+                      <a:pPr algn="r" fontAlgn="b"/>
+                      <a:r>
+                        <a:rPr lang="en-KG" sz="1100" u="none" strike="noStrike">
+                          <a:effectLst/>
+                        </a:rPr>
+                        <a:t>56</a:t>
+                      </a:r>
+                      <a:endParaRPr lang="en-KG" sz="1100" b="0" i="0" u="none" strike="noStrike">
+                        <a:solidFill>
+                          <a:srgbClr val="000000"/>
+                        </a:solidFill>
+                        <a:effectLst/>
+                        <a:latin typeface="Calibri" panose="020F0502020204030204" pitchFamily="34" charset="0"/>
+                      </a:endParaRPr>
+                    </a:p>
+                  </a:txBody>
+                  <a:tcPr marL="8868" marR="8868" marT="8868" marB="0" anchor="b"/>
+                </a:tc>
+                <a:tc>
+                  <a:txBody>
+                    <a:bodyPr/>
+                    <a:lstStyle/>
+                    <a:p>
+                      <a:pPr algn="r" fontAlgn="b"/>
+                      <a:r>
+                        <a:rPr lang="en-KG" sz="1100" u="none" strike="noStrike">
+                          <a:effectLst/>
+                        </a:rPr>
+                        <a:t>42</a:t>
+                      </a:r>
+                      <a:endParaRPr lang="en-KG" sz="1100" b="0" i="0" u="none" strike="noStrike">
+                        <a:solidFill>
+                          <a:srgbClr val="000000"/>
+                        </a:solidFill>
+                        <a:effectLst/>
+                        <a:latin typeface="Calibri" panose="020F0502020204030204" pitchFamily="34" charset="0"/>
+                      </a:endParaRPr>
+                    </a:p>
+                  </a:txBody>
+                  <a:tcPr marL="8868" marR="8868" marT="8868" marB="0" anchor="b"/>
+                </a:tc>
+                <a:tc>
+                  <a:txBody>
+                    <a:bodyPr/>
+                    <a:lstStyle/>
+                    <a:p>
+                      <a:pPr algn="l" fontAlgn="b"/>
+                      <a:r>
+                        <a:rPr lang="en-US" sz="1100" u="none" strike="noStrike" dirty="0">
+                          <a:effectLst/>
+                        </a:rPr>
+                        <a:t>f</a:t>
+                      </a:r>
+                      <a:endParaRPr lang="en-US" sz="1100" b="0" i="0" u="none" strike="noStrike" dirty="0">
+                        <a:solidFill>
+                          <a:srgbClr val="000000"/>
+                        </a:solidFill>
+                        <a:effectLst/>
+                        <a:latin typeface="Calibri" panose="020F0502020204030204" pitchFamily="34" charset="0"/>
+                      </a:endParaRPr>
+                    </a:p>
+                  </a:txBody>
+                  <a:tcPr marL="8868" marR="8868" marT="8868" marB="0" anchor="b"/>
+                </a:tc>
+                <a:extLst>
+                  <a:ext uri="{0D108BD9-81ED-4DB2-BD59-A6C34878D82A}">
+                    <a16:rowId xmlns:a16="http://schemas.microsoft.com/office/drawing/2014/main" val="3657469334"/>
+                  </a:ext>
+                </a:extLst>
+              </a:tr>
+            </a:tbl>
+          </a:graphicData>
+        </a:graphic>
+      </p:graphicFrame>
+    </p:spTree>
+    <p:extLst>
+      <p:ext uri="{BB962C8B-B14F-4D97-AF65-F5344CB8AC3E}">
+        <p14:creationId xmlns:p14="http://schemas.microsoft.com/office/powerpoint/2010/main" val="3630150688"/>
+      </p:ext>
+    </p:extLst>
+  </p:cSld>
+  <p:clrMapOvr>
+    <a:masterClrMapping/>
+  </p:clrMapOvr>
+</p:sld>
+</file>
+
+<file path=ppt/slides/slide4.xml><?xml version="1.0" encoding="utf-8"?>
+<p:sld xmlns:a="http://schemas.openxmlformats.org/drawingml/2006/main" xmlns:r="http://schemas.openxmlformats.org/officeDocument/2006/relationships" xmlns:p="http://schemas.openxmlformats.org/presentationml/2006/main">
+  <p:cSld>
+    <p:spTree>
+      <p:nvGrpSpPr>
+        <p:cNvPr id="1" name=""/>
+        <p:cNvGrpSpPr/>
+        <p:nvPr/>
+      </p:nvGrpSpPr>
+      <p:grpSpPr>
+        <a:xfrm>
+          <a:off x="0" y="0"/>
+          <a:ext cx="0" cy="0"/>
+          <a:chOff x="0" y="0"/>
+          <a:chExt cx="0" cy="0"/>
+        </a:xfrm>
+      </p:grpSpPr>
       <p:pic>
         <p:nvPicPr>
           <p:cNvPr id="6" name="Picture 5">
@@ -3667,7 +7215,7 @@
           <p:nvPr/>
         </p:nvPicPr>
         <p:blipFill>
-          <a:blip r:embed="rId3"/>
+          <a:blip r:embed="rId2"/>
           <a:stretch>
             <a:fillRect/>
           </a:stretch>
@@ -3686,6 +7234,226 @@
     <p:extLst>
       <p:ext uri="{BB962C8B-B14F-4D97-AF65-F5344CB8AC3E}">
         <p14:creationId xmlns:p14="http://schemas.microsoft.com/office/powerpoint/2010/main" val="994991561"/>
+      </p:ext>
+    </p:extLst>
+  </p:cSld>
+  <p:clrMapOvr>
+    <a:masterClrMapping/>
+  </p:clrMapOvr>
+</p:sld>
+</file>
+
+<file path=ppt/slides/slide5.xml><?xml version="1.0" encoding="utf-8"?>
+<p:sld xmlns:a="http://schemas.openxmlformats.org/drawingml/2006/main" xmlns:r="http://schemas.openxmlformats.org/officeDocument/2006/relationships" xmlns:p="http://schemas.openxmlformats.org/presentationml/2006/main">
+  <p:cSld>
+    <p:spTree>
+      <p:nvGrpSpPr>
+        <p:cNvPr id="1" name=""/>
+        <p:cNvGrpSpPr/>
+        <p:nvPr/>
+      </p:nvGrpSpPr>
+      <p:grpSpPr>
+        <a:xfrm>
+          <a:off x="0" y="0"/>
+          <a:ext cx="0" cy="0"/>
+          <a:chOff x="0" y="0"/>
+          <a:chExt cx="0" cy="0"/>
+        </a:xfrm>
+      </p:grpSpPr>
+      <p:pic>
+        <p:nvPicPr>
+          <p:cNvPr id="5122" name="Picture 2" descr="Scott Vonderharr | LinkedIn">
+            <a:extLst>
+              <a:ext uri="{FF2B5EF4-FFF2-40B4-BE49-F238E27FC236}">
+                <a16:creationId xmlns:a16="http://schemas.microsoft.com/office/drawing/2014/main" id="{F17464D3-090F-46CB-F37A-719C2EED1B5C}"/>
+              </a:ext>
+            </a:extLst>
+          </p:cNvPr>
+          <p:cNvPicPr>
+            <a:picLocks noGrp="1" noChangeAspect="1" noChangeArrowheads="1"/>
+          </p:cNvPicPr>
+          <p:nvPr>
+            <p:ph idx="1"/>
+          </p:nvPr>
+        </p:nvPicPr>
+        <p:blipFill rotWithShape="1">
+          <a:blip r:embed="rId2">
+            <a:extLst>
+              <a:ext uri="{28A0092B-C50C-407E-A947-70E740481C1C}">
+                <a14:useLocalDpi xmlns:a14="http://schemas.microsoft.com/office/drawing/2010/main" val="0"/>
+              </a:ext>
+            </a:extLst>
+          </a:blip>
+          <a:srcRect t="10824" r="47638"/>
+          <a:stretch/>
+        </p:blipFill>
+        <p:spPr bwMode="auto">
+          <a:xfrm>
+            <a:off x="3436026" y="2030319"/>
+            <a:ext cx="2659974" cy="2797361"/>
+          </a:xfrm>
+          <a:prstGeom prst="rect">
+            <a:avLst/>
+          </a:prstGeom>
+          <a:noFill/>
+          <a:extLst>
+            <a:ext uri="{909E8E84-426E-40DD-AFC4-6F175D3DCCD1}">
+              <a14:hiddenFill xmlns:a14="http://schemas.microsoft.com/office/drawing/2010/main">
+                <a:solidFill>
+                  <a:srgbClr val="FFFFFF"/>
+                </a:solidFill>
+              </a14:hiddenFill>
+            </a:ext>
+          </a:extLst>
+        </p:spPr>
+      </p:pic>
+      <p:cxnSp>
+        <p:nvCxnSpPr>
+          <p:cNvPr id="5" name="Straight Connector 4">
+            <a:extLst>
+              <a:ext uri="{FF2B5EF4-FFF2-40B4-BE49-F238E27FC236}">
+                <a16:creationId xmlns:a16="http://schemas.microsoft.com/office/drawing/2014/main" id="{E35CDA5D-DCF2-AABC-107A-2E1D66B1623A}"/>
+              </a:ext>
+            </a:extLst>
+          </p:cNvPr>
+          <p:cNvCxnSpPr>
+            <a:cxnSpLocks/>
+          </p:cNvCxnSpPr>
+          <p:nvPr/>
+        </p:nvCxnSpPr>
+        <p:spPr>
+          <a:xfrm flipH="1">
+            <a:off x="4223098" y="2785534"/>
+            <a:ext cx="1280236" cy="1477017"/>
+          </a:xfrm>
+          <a:prstGeom prst="line">
+            <a:avLst/>
+          </a:prstGeom>
+          <a:ln w="50800" cmpd="sng">
+            <a:solidFill>
+              <a:schemeClr val="accent6">
+                <a:lumMod val="75000"/>
+              </a:schemeClr>
+            </a:solidFill>
+          </a:ln>
+        </p:spPr>
+        <p:style>
+          <a:lnRef idx="1">
+            <a:schemeClr val="dk1"/>
+          </a:lnRef>
+          <a:fillRef idx="0">
+            <a:schemeClr val="dk1"/>
+          </a:fillRef>
+          <a:effectRef idx="0">
+            <a:schemeClr val="dk1"/>
+          </a:effectRef>
+          <a:fontRef idx="minor">
+            <a:schemeClr val="tx1"/>
+          </a:fontRef>
+        </p:style>
+      </p:cxnSp>
+      <p:sp>
+        <p:nvSpPr>
+          <p:cNvPr id="6" name="TextBox 5">
+            <a:extLst>
+              <a:ext uri="{FF2B5EF4-FFF2-40B4-BE49-F238E27FC236}">
+                <a16:creationId xmlns:a16="http://schemas.microsoft.com/office/drawing/2014/main" id="{E829CC88-8F0F-DFA0-4FA4-1AFD17CBD08F}"/>
+              </a:ext>
+            </a:extLst>
+          </p:cNvPr>
+          <p:cNvSpPr txBox="1"/>
+          <p:nvPr/>
+        </p:nvSpPr>
+        <p:spPr>
+          <a:xfrm>
+            <a:off x="3064476" y="1013254"/>
+            <a:ext cx="857414" cy="369332"/>
+          </a:xfrm>
+          <a:prstGeom prst="rect">
+            <a:avLst/>
+          </a:prstGeom>
+          <a:noFill/>
+        </p:spPr>
+        <p:txBody>
+          <a:bodyPr wrap="none" rtlCol="0">
+            <a:spAutoFit/>
+          </a:bodyPr>
+          <a:lstStyle/>
+          <a:p>
+            <a:r>
+              <a:rPr lang="en-US" dirty="0"/>
+              <a:t>Y</a:t>
+            </a:r>
+            <a:r>
+              <a:rPr lang="en-KG" dirty="0"/>
+              <a:t>=ax+b</a:t>
+            </a:r>
+          </a:p>
+        </p:txBody>
+      </p:sp>
+    </p:spTree>
+    <p:extLst>
+      <p:ext uri="{BB962C8B-B14F-4D97-AF65-F5344CB8AC3E}">
+        <p14:creationId xmlns:p14="http://schemas.microsoft.com/office/powerpoint/2010/main" val="1464663001"/>
+      </p:ext>
+    </p:extLst>
+  </p:cSld>
+  <p:clrMapOvr>
+    <a:masterClrMapping/>
+  </p:clrMapOvr>
+</p:sld>
+</file>
+
+<file path=ppt/slides/slide6.xml><?xml version="1.0" encoding="utf-8"?>
+<p:sld xmlns:a="http://schemas.openxmlformats.org/drawingml/2006/main" xmlns:r="http://schemas.openxmlformats.org/officeDocument/2006/relationships" xmlns:p="http://schemas.openxmlformats.org/presentationml/2006/main">
+  <p:cSld>
+    <p:spTree>
+      <p:nvGrpSpPr>
+        <p:cNvPr id="1" name=""/>
+        <p:cNvGrpSpPr/>
+        <p:nvPr/>
+      </p:nvGrpSpPr>
+      <p:grpSpPr>
+        <a:xfrm>
+          <a:off x="0" y="0"/>
+          <a:ext cx="0" cy="0"/>
+          <a:chOff x="0" y="0"/>
+          <a:chExt cx="0" cy="0"/>
+        </a:xfrm>
+      </p:grpSpPr>
+      <p:pic>
+        <p:nvPicPr>
+          <p:cNvPr id="5" name="Content Placeholder 4">
+            <a:extLst>
+              <a:ext uri="{FF2B5EF4-FFF2-40B4-BE49-F238E27FC236}">
+                <a16:creationId xmlns:a16="http://schemas.microsoft.com/office/drawing/2014/main" id="{5F69D50E-C422-ED4F-75F8-ADA399872948}"/>
+              </a:ext>
+            </a:extLst>
+          </p:cNvPr>
+          <p:cNvPicPr>
+            <a:picLocks noGrp="1" noChangeAspect="1"/>
+          </p:cNvPicPr>
+          <p:nvPr>
+            <p:ph idx="1"/>
+          </p:nvPr>
+        </p:nvPicPr>
+        <p:blipFill>
+          <a:blip r:embed="rId2"/>
+          <a:stretch>
+            <a:fillRect/>
+          </a:stretch>
+        </p:blipFill>
+        <p:spPr>
+          <a:xfrm>
+            <a:off x="1676400" y="1905794"/>
+            <a:ext cx="8839200" cy="4191000"/>
+          </a:xfrm>
+        </p:spPr>
+      </p:pic>
+    </p:spTree>
+    <p:extLst>
+      <p:ext uri="{BB962C8B-B14F-4D97-AF65-F5344CB8AC3E}">
+        <p14:creationId xmlns:p14="http://schemas.microsoft.com/office/powerpoint/2010/main" val="2196503756"/>
       </p:ext>
     </p:extLst>
   </p:cSld>
